--- a/Activity 2 Part 2/Vertudez_Activity_2_Part_2_Report.pptx
+++ b/Activity 2 Part 2/Vertudez_Activity_2_Part_2_Report.pptx
@@ -13,6 +13,7 @@
     <p:sldId id="258" r:id="rId7"/>
     <p:sldId id="261" r:id="rId8"/>
     <p:sldId id="260" r:id="rId9"/>
+    <p:sldId id="270" r:id="rId10"/>
   </p:sldIdLst>
   <p:sldSz cx="12192000" cy="6858000"/>
   <p:notesSz cx="6858000" cy="9144000"/>
@@ -4367,7 +4368,7 @@
               <a:rPr lang="en-US" sz="1200" dirty="0">
                 <a:hlinkClick r:id="rId12"/>
               </a:rPr>
-              <a:t>https://github.com/genvert/AP_157_FX-2_Vertudez/tree/main/Activity%202</a:t>
+              <a:t>https://github.com/genvert/AP_157_FX-2_Vertudez/tree/main/Activity%202%20Part%202</a:t>
             </a:r>
             <a:endParaRPr lang="en-US" sz="1200" dirty="0"/>
           </a:p>
@@ -4723,10 +4724,10 @@
       </p:pic>
       <p:sp>
         <p:nvSpPr>
-          <p:cNvPr id="11" name="Content Placeholder 2">
-            <a:extLst>
-              <a:ext uri="{FF2B5EF4-FFF2-40B4-BE49-F238E27FC236}">
-                <a16:creationId xmlns:a16="http://schemas.microsoft.com/office/drawing/2014/main" id="{6FFCE158-C678-41A7-BB68-391000DFC400}"/>
+          <p:cNvPr id="12" name="Content Placeholder 2">
+            <a:extLst>
+              <a:ext uri="{FF2B5EF4-FFF2-40B4-BE49-F238E27FC236}">
+                <a16:creationId xmlns:a16="http://schemas.microsoft.com/office/drawing/2014/main" id="{9D1E5E59-DE6F-1E33-9A99-06A5D7A0CF0D}"/>
               </a:ext>
             </a:extLst>
           </p:cNvPr>
@@ -4924,7 +4925,7 @@
               <a:rPr lang="en-US" sz="1200" dirty="0">
                 <a:hlinkClick r:id="rId8"/>
               </a:rPr>
-              <a:t>https://github.com/genvert/AP_157_FX-2_Vertudez/tree/main/Activity%202</a:t>
+              <a:t>https://github.com/genvert/AP_157_FX-2_Vertudez/tree/main/Activity%202%20Part%202</a:t>
             </a:r>
             <a:endParaRPr lang="en-US" sz="1200" dirty="0"/>
           </a:p>
@@ -5451,7 +5452,7 @@
               <a:rPr lang="en-US" sz="1200" dirty="0">
                 <a:hlinkClick r:id="rId5"/>
               </a:rPr>
-              <a:t>https://github.com/genvert/AP_157_FX-2_Vertudez/tree/main/Activity%202</a:t>
+              <a:t>https://github.com/genvert/AP_157_FX-2_Vertudez/tree/main/Activity%202%20Part%202</a:t>
             </a:r>
             <a:endParaRPr lang="en-US" sz="1200" dirty="0"/>
           </a:p>
@@ -6257,7 +6258,7 @@
               <a:rPr lang="en-US" sz="1200" dirty="0">
                 <a:hlinkClick r:id="rId15"/>
               </a:rPr>
-              <a:t>https://github.com/genvert/AP_157_FX-2_Vertudez/tree/main/Activity%202</a:t>
+              <a:t>https://github.com/genvert/AP_157_FX-2_Vertudez/tree/main/Activity%202%20Part%202</a:t>
             </a:r>
             <a:endParaRPr lang="en-US" sz="1200" dirty="0"/>
           </a:p>
@@ -6771,14 +6772,14 @@
               <a:buNone/>
             </a:pPr>
             <a:r>
-              <a:rPr lang="en-US" sz="1200"/>
+              <a:rPr lang="en-US" sz="1200" dirty="0"/>
               <a:t>Codes and files: </a:t>
             </a:r>
             <a:r>
               <a:rPr lang="en-US" sz="1200" dirty="0">
                 <a:hlinkClick r:id="rId7"/>
               </a:rPr>
-              <a:t>https://github.com/genvert/AP_157_FX-2_Vertudez/tree/main/Activity%202</a:t>
+              <a:t>https://github.com/genvert/AP_157_FX-2_Vertudez/tree/main/Activity%202%20Part%202</a:t>
             </a:r>
             <a:endParaRPr lang="en-US" sz="1200" dirty="0"/>
           </a:p>
@@ -6892,6 +6893,303 @@
     <p:extLst>
       <p:ext uri="{BB962C8B-B14F-4D97-AF65-F5344CB8AC3E}">
         <p14:creationId xmlns:p14="http://schemas.microsoft.com/office/powerpoint/2010/main" val="2210186110"/>
+      </p:ext>
+    </p:extLst>
+  </p:cSld>
+  <p:clrMapOvr>
+    <a:masterClrMapping/>
+  </p:clrMapOvr>
+</p:sld>
+</file>
+
+<file path=ppt/slides/slide9.xml><?xml version="1.0" encoding="utf-8"?>
+<p:sld xmlns:a="http://schemas.openxmlformats.org/drawingml/2006/main" xmlns:r="http://schemas.openxmlformats.org/officeDocument/2006/relationships" xmlns:p="http://schemas.openxmlformats.org/presentationml/2006/main">
+  <p:cSld>
+    <p:spTree>
+      <p:nvGrpSpPr>
+        <p:cNvPr id="1" name=""/>
+        <p:cNvGrpSpPr/>
+        <p:nvPr/>
+      </p:nvGrpSpPr>
+      <p:grpSpPr>
+        <a:xfrm>
+          <a:off x="0" y="0"/>
+          <a:ext cx="0" cy="0"/>
+          <a:chOff x="0" y="0"/>
+          <a:chExt cx="0" cy="0"/>
+        </a:xfrm>
+      </p:grpSpPr>
+      <p:sp>
+        <p:nvSpPr>
+          <p:cNvPr id="109" name="PlaceHolder 1"/>
+          <p:cNvSpPr>
+            <a:spLocks noGrp="1"/>
+          </p:cNvSpPr>
+          <p:nvPr>
+            <p:ph type="title"/>
+          </p:nvPr>
+        </p:nvSpPr>
+        <p:spPr>
+          <a:xfrm>
+            <a:off x="838080" y="365040"/>
+            <a:ext cx="10515240" cy="1325160"/>
+          </a:xfrm>
+          <a:prstGeom prst="rect">
+            <a:avLst/>
+          </a:prstGeom>
+          <a:noFill/>
+          <a:ln w="0">
+            <a:noFill/>
+          </a:ln>
+        </p:spPr>
+        <p:txBody>
+          <a:bodyPr anchor="ctr">
+            <a:noAutofit/>
+          </a:bodyPr>
+          <a:lstStyle/>
+          <a:p>
+            <a:pPr>
+              <a:lnSpc>
+                <a:spcPct val="90000"/>
+              </a:lnSpc>
+              <a:buNone/>
+            </a:pPr>
+            <a:r>
+              <a:rPr lang="en-US" sz="4400" strike="noStrike" spc="-1" dirty="0">
+                <a:solidFill>
+                  <a:srgbClr val="000000"/>
+                </a:solidFill>
+                <a:latin typeface="Calibri Light" panose="020F0302020204030204" pitchFamily="34" charset="0"/>
+                <a:cs typeface="Calibri Light" panose="020F0302020204030204" pitchFamily="34" charset="0"/>
+              </a:rPr>
+              <a:t>SELF-GRADE</a:t>
+            </a:r>
+          </a:p>
+        </p:txBody>
+      </p:sp>
+      <p:sp>
+        <p:nvSpPr>
+          <p:cNvPr id="110" name="PlaceHolder 2"/>
+          <p:cNvSpPr>
+            <a:spLocks noGrp="1"/>
+          </p:cNvSpPr>
+          <p:nvPr>
+            <p:ph/>
+          </p:nvPr>
+        </p:nvSpPr>
+        <p:spPr>
+          <a:xfrm>
+            <a:off x="838080" y="1825560"/>
+            <a:ext cx="10515240" cy="4350960"/>
+          </a:xfrm>
+          <a:prstGeom prst="rect">
+            <a:avLst/>
+          </a:prstGeom>
+          <a:noFill/>
+          <a:ln w="0">
+            <a:noFill/>
+          </a:ln>
+        </p:spPr>
+        <p:txBody>
+          <a:bodyPr anchor="t">
+            <a:noAutofit/>
+          </a:bodyPr>
+          <a:lstStyle/>
+          <a:p>
+            <a:pPr marL="228600" indent="-228600">
+              <a:lnSpc>
+                <a:spcPct val="90000"/>
+              </a:lnSpc>
+              <a:spcBef>
+                <a:spcPts val="1001"/>
+              </a:spcBef>
+              <a:buClr>
+                <a:srgbClr val="000000"/>
+              </a:buClr>
+              <a:buFont typeface="Arial"/>
+              <a:buChar char="•"/>
+            </a:pPr>
+            <a:r>
+              <a:rPr lang="en-US" sz="2400" spc="-1" dirty="0">
+                <a:solidFill>
+                  <a:srgbClr val="000000"/>
+                </a:solidFill>
+                <a:latin typeface="Calibri"/>
+              </a:rPr>
+              <a:t>Technical correctness: 35/35</a:t>
+            </a:r>
+          </a:p>
+          <a:p>
+            <a:pPr lvl="1">
+              <a:spcBef>
+                <a:spcPts val="1001"/>
+              </a:spcBef>
+              <a:buClr>
+                <a:srgbClr val="000000"/>
+              </a:buClr>
+              <a:buFont typeface="Arial"/>
+              <a:buChar char="•"/>
+            </a:pPr>
+            <a:r>
+              <a:rPr lang="en-US" sz="2000" b="0" strike="noStrike" spc="-1" dirty="0">
+                <a:solidFill>
+                  <a:srgbClr val="000000"/>
+                </a:solidFill>
+                <a:latin typeface="Calibri"/>
+              </a:rPr>
+              <a:t>I </a:t>
+            </a:r>
+            <a:r>
+              <a:rPr lang="en-US" sz="2000" spc="-1" dirty="0">
+                <a:solidFill>
+                  <a:srgbClr val="000000"/>
+                </a:solidFill>
+                <a:latin typeface="Calibri"/>
+              </a:rPr>
+              <a:t>am confident that I understood how to use ImageJ to extract feature from images, and have applied it.</a:t>
+            </a:r>
+          </a:p>
+          <a:p>
+            <a:pPr marL="228600" indent="-228600">
+              <a:lnSpc>
+                <a:spcPct val="90000"/>
+              </a:lnSpc>
+              <a:spcBef>
+                <a:spcPts val="1001"/>
+              </a:spcBef>
+              <a:buClr>
+                <a:srgbClr val="000000"/>
+              </a:buClr>
+              <a:buFont typeface="Arial"/>
+              <a:buChar char="•"/>
+            </a:pPr>
+            <a:r>
+              <a:rPr lang="en-US" sz="2400" spc="-1" dirty="0">
+                <a:solidFill>
+                  <a:srgbClr val="000000"/>
+                </a:solidFill>
+                <a:latin typeface="Calibri"/>
+              </a:rPr>
+              <a:t>Quality of presentation: 35/35</a:t>
+            </a:r>
+          </a:p>
+          <a:p>
+            <a:pPr lvl="1">
+              <a:spcBef>
+                <a:spcPts val="1001"/>
+              </a:spcBef>
+              <a:buClr>
+                <a:srgbClr val="000000"/>
+              </a:buClr>
+              <a:buFont typeface="Arial"/>
+              <a:buChar char="•"/>
+            </a:pPr>
+            <a:r>
+              <a:rPr lang="en-US" sz="2000" spc="-1" dirty="0">
+                <a:solidFill>
+                  <a:srgbClr val="000000"/>
+                </a:solidFill>
+                <a:latin typeface="Calibri"/>
+              </a:rPr>
+              <a:t>I have explained each step, and images are clear and concise.</a:t>
+            </a:r>
+          </a:p>
+          <a:p>
+            <a:pPr marL="228600" indent="-228600">
+              <a:lnSpc>
+                <a:spcPct val="90000"/>
+              </a:lnSpc>
+              <a:spcBef>
+                <a:spcPts val="1001"/>
+              </a:spcBef>
+              <a:buClr>
+                <a:srgbClr val="000000"/>
+              </a:buClr>
+              <a:buFont typeface="Arial"/>
+              <a:buChar char="•"/>
+            </a:pPr>
+            <a:r>
+              <a:rPr lang="en-US" sz="2400" spc="-1" dirty="0">
+                <a:solidFill>
+                  <a:srgbClr val="000000"/>
+                </a:solidFill>
+                <a:latin typeface="Calibri"/>
+              </a:rPr>
+              <a:t>Self-reflection: 30/30</a:t>
+            </a:r>
+          </a:p>
+          <a:p>
+            <a:pPr lvl="1">
+              <a:spcBef>
+                <a:spcPts val="1001"/>
+              </a:spcBef>
+              <a:buClr>
+                <a:srgbClr val="000000"/>
+              </a:buClr>
+              <a:buFont typeface="Arial"/>
+              <a:buChar char="•"/>
+            </a:pPr>
+            <a:r>
+              <a:rPr lang="en-US" sz="2000" spc="-1" dirty="0">
+                <a:solidFill>
+                  <a:srgbClr val="000000"/>
+                </a:solidFill>
+                <a:latin typeface="Calibri"/>
+              </a:rPr>
+              <a:t>Even though I was slacking in this subject for a while, I managed to get back on track. The topics are really fun and interesting. It helped me understand the ideas behind image tools such as smartphone cameras, Photoshop, etc.</a:t>
+            </a:r>
+          </a:p>
+          <a:p>
+            <a:pPr marL="228600" indent="-228600">
+              <a:lnSpc>
+                <a:spcPct val="90000"/>
+              </a:lnSpc>
+              <a:spcBef>
+                <a:spcPts val="1001"/>
+              </a:spcBef>
+              <a:buClr>
+                <a:srgbClr val="000000"/>
+              </a:buClr>
+              <a:buFont typeface="Arial"/>
+              <a:buChar char="•"/>
+            </a:pPr>
+            <a:r>
+              <a:rPr lang="en-US" sz="2400" spc="-1" dirty="0">
+                <a:solidFill>
+                  <a:srgbClr val="000000"/>
+                </a:solidFill>
+                <a:latin typeface="Calibri"/>
+              </a:rPr>
+              <a:t>Initiative: 10/10</a:t>
+            </a:r>
+          </a:p>
+          <a:p>
+            <a:pPr lvl="1">
+              <a:spcBef>
+                <a:spcPts val="1001"/>
+              </a:spcBef>
+              <a:buClr>
+                <a:srgbClr val="000000"/>
+              </a:buClr>
+              <a:buFont typeface="Arial"/>
+              <a:buChar char="•"/>
+            </a:pPr>
+            <a:r>
+              <a:rPr lang="en-US" sz="2000" spc="-1" dirty="0">
+                <a:solidFill>
+                  <a:srgbClr val="000000"/>
+                </a:solidFill>
+                <a:latin typeface="Calibri"/>
+              </a:rPr>
+              <a:t>I used an extra image for extraction.</a:t>
+            </a:r>
+          </a:p>
+        </p:txBody>
+      </p:sp>
+    </p:spTree>
+    <p:extLst>
+      <p:ext uri="{BB962C8B-B14F-4D97-AF65-F5344CB8AC3E}">
+        <p14:creationId xmlns:p14="http://schemas.microsoft.com/office/powerpoint/2010/main" val="3784929317"/>
       </p:ext>
     </p:extLst>
   </p:cSld>

--- a/Activity 2 Part 2/Vertudez_Activity_2_Part_2_Report.pptx
+++ b/Activity 2 Part 2/Vertudez_Activity_2_Part_2_Report.pptx
@@ -8,12 +8,16 @@
     <p:sldId id="256" r:id="rId2"/>
     <p:sldId id="257" r:id="rId3"/>
     <p:sldId id="262" r:id="rId4"/>
-    <p:sldId id="264" r:id="rId5"/>
-    <p:sldId id="263" r:id="rId6"/>
-    <p:sldId id="258" r:id="rId7"/>
-    <p:sldId id="261" r:id="rId8"/>
-    <p:sldId id="260" r:id="rId9"/>
-    <p:sldId id="270" r:id="rId10"/>
+    <p:sldId id="271" r:id="rId5"/>
+    <p:sldId id="272" r:id="rId6"/>
+    <p:sldId id="273" r:id="rId7"/>
+    <p:sldId id="274" r:id="rId8"/>
+    <p:sldId id="275" r:id="rId9"/>
+    <p:sldId id="276" r:id="rId10"/>
+    <p:sldId id="277" r:id="rId11"/>
+    <p:sldId id="278" r:id="rId12"/>
+    <p:sldId id="260" r:id="rId13"/>
+    <p:sldId id="270" r:id="rId14"/>
   </p:sldIdLst>
   <p:sldSz cx="12192000" cy="6858000"/>
   <p:notesSz cx="6858000" cy="9144000"/>
@@ -3437,6 +3441,941 @@
 </p:sld>
 </file>
 
+<file path=ppt/slides/slide10.xml><?xml version="1.0" encoding="utf-8"?>
+<p:sld xmlns:a="http://schemas.openxmlformats.org/drawingml/2006/main" xmlns:r="http://schemas.openxmlformats.org/officeDocument/2006/relationships" xmlns:p="http://schemas.openxmlformats.org/presentationml/2006/main">
+  <p:cSld>
+    <p:spTree>
+      <p:nvGrpSpPr>
+        <p:cNvPr id="1" name=""/>
+        <p:cNvGrpSpPr/>
+        <p:nvPr/>
+      </p:nvGrpSpPr>
+      <p:grpSpPr>
+        <a:xfrm>
+          <a:off x="0" y="0"/>
+          <a:ext cx="0" cy="0"/>
+          <a:chOff x="0" y="0"/>
+          <a:chExt cx="0" cy="0"/>
+        </a:xfrm>
+      </p:grpSpPr>
+      <p:sp>
+        <p:nvSpPr>
+          <p:cNvPr id="2" name="Title 1">
+            <a:extLst>
+              <a:ext uri="{FF2B5EF4-FFF2-40B4-BE49-F238E27FC236}">
+                <a16:creationId xmlns:a16="http://schemas.microsoft.com/office/drawing/2014/main" id="{B879770E-AA88-4C98-93CD-7717F58CD419}"/>
+              </a:ext>
+            </a:extLst>
+          </p:cNvPr>
+          <p:cNvSpPr>
+            <a:spLocks noGrp="1"/>
+          </p:cNvSpPr>
+          <p:nvPr>
+            <p:ph type="title"/>
+          </p:nvPr>
+        </p:nvSpPr>
+        <p:spPr/>
+        <p:txBody>
+          <a:bodyPr/>
+          <a:lstStyle/>
+          <a:p>
+            <a:r>
+              <a:rPr lang="en-US" dirty="0"/>
+              <a:t>RESULTS &amp; ANALYSIS</a:t>
+            </a:r>
+          </a:p>
+        </p:txBody>
+      </p:sp>
+      <p:sp>
+        <p:nvSpPr>
+          <p:cNvPr id="14" name="Content Placeholder 2">
+            <a:extLst>
+              <a:ext uri="{FF2B5EF4-FFF2-40B4-BE49-F238E27FC236}">
+                <a16:creationId xmlns:a16="http://schemas.microsoft.com/office/drawing/2014/main" id="{AC2A0A29-9973-4CA2-B289-635997FFF811}"/>
+              </a:ext>
+            </a:extLst>
+          </p:cNvPr>
+          <p:cNvSpPr txBox="1">
+            <a:spLocks/>
+          </p:cNvSpPr>
+          <p:nvPr/>
+        </p:nvSpPr>
+        <p:spPr>
+          <a:xfrm>
+            <a:off x="0" y="6610525"/>
+            <a:ext cx="12192000" cy="247475"/>
+          </a:xfrm>
+          <a:prstGeom prst="rect">
+            <a:avLst/>
+          </a:prstGeom>
+        </p:spPr>
+        <p:txBody>
+          <a:bodyPr vert="horz" lIns="91440" tIns="45720" rIns="91440" bIns="45720" rtlCol="0">
+            <a:normAutofit lnSpcReduction="10000"/>
+          </a:bodyPr>
+          <a:lstStyle>
+            <a:lvl1pPr marL="228600" indent="-228600" algn="l" defTabSz="914400" rtl="0" eaLnBrk="1" latinLnBrk="0" hangingPunct="1">
+              <a:lnSpc>
+                <a:spcPct val="90000"/>
+              </a:lnSpc>
+              <a:spcBef>
+                <a:spcPts val="1000"/>
+              </a:spcBef>
+              <a:buFont typeface="Arial" panose="020B0604020202020204" pitchFamily="34" charset="0"/>
+              <a:buChar char="•"/>
+              <a:defRPr sz="2800" kern="1200">
+                <a:solidFill>
+                  <a:schemeClr val="tx1"/>
+                </a:solidFill>
+                <a:latin typeface="+mn-lt"/>
+                <a:ea typeface="+mn-ea"/>
+                <a:cs typeface="+mn-cs"/>
+              </a:defRPr>
+            </a:lvl1pPr>
+            <a:lvl2pPr marL="685800" indent="-228600" algn="l" defTabSz="914400" rtl="0" eaLnBrk="1" latinLnBrk="0" hangingPunct="1">
+              <a:lnSpc>
+                <a:spcPct val="90000"/>
+              </a:lnSpc>
+              <a:spcBef>
+                <a:spcPts val="500"/>
+              </a:spcBef>
+              <a:buFont typeface="Arial" panose="020B0604020202020204" pitchFamily="34" charset="0"/>
+              <a:buChar char="•"/>
+              <a:defRPr sz="2400" kern="1200">
+                <a:solidFill>
+                  <a:schemeClr val="tx1"/>
+                </a:solidFill>
+                <a:latin typeface="+mn-lt"/>
+                <a:ea typeface="+mn-ea"/>
+                <a:cs typeface="+mn-cs"/>
+              </a:defRPr>
+            </a:lvl2pPr>
+            <a:lvl3pPr marL="1143000" indent="-228600" algn="l" defTabSz="914400" rtl="0" eaLnBrk="1" latinLnBrk="0" hangingPunct="1">
+              <a:lnSpc>
+                <a:spcPct val="90000"/>
+              </a:lnSpc>
+              <a:spcBef>
+                <a:spcPts val="500"/>
+              </a:spcBef>
+              <a:buFont typeface="Arial" panose="020B0604020202020204" pitchFamily="34" charset="0"/>
+              <a:buChar char="•"/>
+              <a:defRPr sz="2000" kern="1200">
+                <a:solidFill>
+                  <a:schemeClr val="tx1"/>
+                </a:solidFill>
+                <a:latin typeface="+mn-lt"/>
+                <a:ea typeface="+mn-ea"/>
+                <a:cs typeface="+mn-cs"/>
+              </a:defRPr>
+            </a:lvl3pPr>
+            <a:lvl4pPr marL="1600200" indent="-228600" algn="l" defTabSz="914400" rtl="0" eaLnBrk="1" latinLnBrk="0" hangingPunct="1">
+              <a:lnSpc>
+                <a:spcPct val="90000"/>
+              </a:lnSpc>
+              <a:spcBef>
+                <a:spcPts val="500"/>
+              </a:spcBef>
+              <a:buFont typeface="Arial" panose="020B0604020202020204" pitchFamily="34" charset="0"/>
+              <a:buChar char="•"/>
+              <a:defRPr sz="1800" kern="1200">
+                <a:solidFill>
+                  <a:schemeClr val="tx1"/>
+                </a:solidFill>
+                <a:latin typeface="+mn-lt"/>
+                <a:ea typeface="+mn-ea"/>
+                <a:cs typeface="+mn-cs"/>
+              </a:defRPr>
+            </a:lvl4pPr>
+            <a:lvl5pPr marL="2057400" indent="-228600" algn="l" defTabSz="914400" rtl="0" eaLnBrk="1" latinLnBrk="0" hangingPunct="1">
+              <a:lnSpc>
+                <a:spcPct val="90000"/>
+              </a:lnSpc>
+              <a:spcBef>
+                <a:spcPts val="500"/>
+              </a:spcBef>
+              <a:buFont typeface="Arial" panose="020B0604020202020204" pitchFamily="34" charset="0"/>
+              <a:buChar char="•"/>
+              <a:defRPr sz="1800" kern="1200">
+                <a:solidFill>
+                  <a:schemeClr val="tx1"/>
+                </a:solidFill>
+                <a:latin typeface="+mn-lt"/>
+                <a:ea typeface="+mn-ea"/>
+                <a:cs typeface="+mn-cs"/>
+              </a:defRPr>
+            </a:lvl5pPr>
+            <a:lvl6pPr marL="2514600" indent="-228600" algn="l" defTabSz="914400" rtl="0" eaLnBrk="1" latinLnBrk="0" hangingPunct="1">
+              <a:lnSpc>
+                <a:spcPct val="90000"/>
+              </a:lnSpc>
+              <a:spcBef>
+                <a:spcPts val="500"/>
+              </a:spcBef>
+              <a:buFont typeface="Arial" panose="020B0604020202020204" pitchFamily="34" charset="0"/>
+              <a:buChar char="•"/>
+              <a:defRPr sz="1800" kern="1200">
+                <a:solidFill>
+                  <a:schemeClr val="tx1"/>
+                </a:solidFill>
+                <a:latin typeface="+mn-lt"/>
+                <a:ea typeface="+mn-ea"/>
+                <a:cs typeface="+mn-cs"/>
+              </a:defRPr>
+            </a:lvl6pPr>
+            <a:lvl7pPr marL="2971800" indent="-228600" algn="l" defTabSz="914400" rtl="0" eaLnBrk="1" latinLnBrk="0" hangingPunct="1">
+              <a:lnSpc>
+                <a:spcPct val="90000"/>
+              </a:lnSpc>
+              <a:spcBef>
+                <a:spcPts val="500"/>
+              </a:spcBef>
+              <a:buFont typeface="Arial" panose="020B0604020202020204" pitchFamily="34" charset="0"/>
+              <a:buChar char="•"/>
+              <a:defRPr sz="1800" kern="1200">
+                <a:solidFill>
+                  <a:schemeClr val="tx1"/>
+                </a:solidFill>
+                <a:latin typeface="+mn-lt"/>
+                <a:ea typeface="+mn-ea"/>
+                <a:cs typeface="+mn-cs"/>
+              </a:defRPr>
+            </a:lvl7pPr>
+            <a:lvl8pPr marL="3429000" indent="-228600" algn="l" defTabSz="914400" rtl="0" eaLnBrk="1" latinLnBrk="0" hangingPunct="1">
+              <a:lnSpc>
+                <a:spcPct val="90000"/>
+              </a:lnSpc>
+              <a:spcBef>
+                <a:spcPts val="500"/>
+              </a:spcBef>
+              <a:buFont typeface="Arial" panose="020B0604020202020204" pitchFamily="34" charset="0"/>
+              <a:buChar char="•"/>
+              <a:defRPr sz="1800" kern="1200">
+                <a:solidFill>
+                  <a:schemeClr val="tx1"/>
+                </a:solidFill>
+                <a:latin typeface="+mn-lt"/>
+                <a:ea typeface="+mn-ea"/>
+                <a:cs typeface="+mn-cs"/>
+              </a:defRPr>
+            </a:lvl8pPr>
+            <a:lvl9pPr marL="3886200" indent="-228600" algn="l" defTabSz="914400" rtl="0" eaLnBrk="1" latinLnBrk="0" hangingPunct="1">
+              <a:lnSpc>
+                <a:spcPct val="90000"/>
+              </a:lnSpc>
+              <a:spcBef>
+                <a:spcPts val="500"/>
+              </a:spcBef>
+              <a:buFont typeface="Arial" panose="020B0604020202020204" pitchFamily="34" charset="0"/>
+              <a:buChar char="•"/>
+              <a:defRPr sz="1800" kern="1200">
+                <a:solidFill>
+                  <a:schemeClr val="tx1"/>
+                </a:solidFill>
+                <a:latin typeface="+mn-lt"/>
+                <a:ea typeface="+mn-ea"/>
+                <a:cs typeface="+mn-cs"/>
+              </a:defRPr>
+            </a:lvl9pPr>
+          </a:lstStyle>
+          <a:p>
+            <a:pPr marL="0" indent="0">
+              <a:buNone/>
+            </a:pPr>
+            <a:r>
+              <a:rPr lang="en-US" sz="1200" dirty="0"/>
+              <a:t>Codes and files: </a:t>
+            </a:r>
+            <a:r>
+              <a:rPr lang="en-US" sz="1200" dirty="0">
+                <a:hlinkClick r:id="rId2"/>
+              </a:rPr>
+              <a:t>https://github.com/genvert/AP_157_FX-2_Vertudez/tree/main/Activity%202%20Part%202</a:t>
+            </a:r>
+            <a:endParaRPr lang="en-US" sz="1200" dirty="0"/>
+          </a:p>
+        </p:txBody>
+      </p:sp>
+    </p:spTree>
+    <p:extLst>
+      <p:ext uri="{BB962C8B-B14F-4D97-AF65-F5344CB8AC3E}">
+        <p14:creationId xmlns:p14="http://schemas.microsoft.com/office/powerpoint/2010/main" val="3238334455"/>
+      </p:ext>
+    </p:extLst>
+  </p:cSld>
+  <p:clrMapOvr>
+    <a:masterClrMapping/>
+  </p:clrMapOvr>
+</p:sld>
+</file>
+
+<file path=ppt/slides/slide11.xml><?xml version="1.0" encoding="utf-8"?>
+<p:sld xmlns:a="http://schemas.openxmlformats.org/drawingml/2006/main" xmlns:r="http://schemas.openxmlformats.org/officeDocument/2006/relationships" xmlns:p="http://schemas.openxmlformats.org/presentationml/2006/main">
+  <p:cSld>
+    <p:spTree>
+      <p:nvGrpSpPr>
+        <p:cNvPr id="1" name=""/>
+        <p:cNvGrpSpPr/>
+        <p:nvPr/>
+      </p:nvGrpSpPr>
+      <p:grpSpPr>
+        <a:xfrm>
+          <a:off x="0" y="0"/>
+          <a:ext cx="0" cy="0"/>
+          <a:chOff x="0" y="0"/>
+          <a:chExt cx="0" cy="0"/>
+        </a:xfrm>
+      </p:grpSpPr>
+      <p:sp>
+        <p:nvSpPr>
+          <p:cNvPr id="2" name="Title 1">
+            <a:extLst>
+              <a:ext uri="{FF2B5EF4-FFF2-40B4-BE49-F238E27FC236}">
+                <a16:creationId xmlns:a16="http://schemas.microsoft.com/office/drawing/2014/main" id="{B879770E-AA88-4C98-93CD-7717F58CD419}"/>
+              </a:ext>
+            </a:extLst>
+          </p:cNvPr>
+          <p:cNvSpPr>
+            <a:spLocks noGrp="1"/>
+          </p:cNvSpPr>
+          <p:nvPr>
+            <p:ph type="title"/>
+          </p:nvPr>
+        </p:nvSpPr>
+        <p:spPr/>
+        <p:txBody>
+          <a:bodyPr/>
+          <a:lstStyle/>
+          <a:p>
+            <a:r>
+              <a:rPr lang="en-US" dirty="0"/>
+              <a:t>RESULTS &amp; ANALYSIS</a:t>
+            </a:r>
+          </a:p>
+        </p:txBody>
+      </p:sp>
+      <p:sp>
+        <p:nvSpPr>
+          <p:cNvPr id="14" name="Content Placeholder 2">
+            <a:extLst>
+              <a:ext uri="{FF2B5EF4-FFF2-40B4-BE49-F238E27FC236}">
+                <a16:creationId xmlns:a16="http://schemas.microsoft.com/office/drawing/2014/main" id="{AC2A0A29-9973-4CA2-B289-635997FFF811}"/>
+              </a:ext>
+            </a:extLst>
+          </p:cNvPr>
+          <p:cNvSpPr txBox="1">
+            <a:spLocks/>
+          </p:cNvSpPr>
+          <p:nvPr/>
+        </p:nvSpPr>
+        <p:spPr>
+          <a:xfrm>
+            <a:off x="0" y="6610525"/>
+            <a:ext cx="12192000" cy="247475"/>
+          </a:xfrm>
+          <a:prstGeom prst="rect">
+            <a:avLst/>
+          </a:prstGeom>
+        </p:spPr>
+        <p:txBody>
+          <a:bodyPr vert="horz" lIns="91440" tIns="45720" rIns="91440" bIns="45720" rtlCol="0">
+            <a:normAutofit lnSpcReduction="10000"/>
+          </a:bodyPr>
+          <a:lstStyle>
+            <a:lvl1pPr marL="228600" indent="-228600" algn="l" defTabSz="914400" rtl="0" eaLnBrk="1" latinLnBrk="0" hangingPunct="1">
+              <a:lnSpc>
+                <a:spcPct val="90000"/>
+              </a:lnSpc>
+              <a:spcBef>
+                <a:spcPts val="1000"/>
+              </a:spcBef>
+              <a:buFont typeface="Arial" panose="020B0604020202020204" pitchFamily="34" charset="0"/>
+              <a:buChar char="•"/>
+              <a:defRPr sz="2800" kern="1200">
+                <a:solidFill>
+                  <a:schemeClr val="tx1"/>
+                </a:solidFill>
+                <a:latin typeface="+mn-lt"/>
+                <a:ea typeface="+mn-ea"/>
+                <a:cs typeface="+mn-cs"/>
+              </a:defRPr>
+            </a:lvl1pPr>
+            <a:lvl2pPr marL="685800" indent="-228600" algn="l" defTabSz="914400" rtl="0" eaLnBrk="1" latinLnBrk="0" hangingPunct="1">
+              <a:lnSpc>
+                <a:spcPct val="90000"/>
+              </a:lnSpc>
+              <a:spcBef>
+                <a:spcPts val="500"/>
+              </a:spcBef>
+              <a:buFont typeface="Arial" panose="020B0604020202020204" pitchFamily="34" charset="0"/>
+              <a:buChar char="•"/>
+              <a:defRPr sz="2400" kern="1200">
+                <a:solidFill>
+                  <a:schemeClr val="tx1"/>
+                </a:solidFill>
+                <a:latin typeface="+mn-lt"/>
+                <a:ea typeface="+mn-ea"/>
+                <a:cs typeface="+mn-cs"/>
+              </a:defRPr>
+            </a:lvl2pPr>
+            <a:lvl3pPr marL="1143000" indent="-228600" algn="l" defTabSz="914400" rtl="0" eaLnBrk="1" latinLnBrk="0" hangingPunct="1">
+              <a:lnSpc>
+                <a:spcPct val="90000"/>
+              </a:lnSpc>
+              <a:spcBef>
+                <a:spcPts val="500"/>
+              </a:spcBef>
+              <a:buFont typeface="Arial" panose="020B0604020202020204" pitchFamily="34" charset="0"/>
+              <a:buChar char="•"/>
+              <a:defRPr sz="2000" kern="1200">
+                <a:solidFill>
+                  <a:schemeClr val="tx1"/>
+                </a:solidFill>
+                <a:latin typeface="+mn-lt"/>
+                <a:ea typeface="+mn-ea"/>
+                <a:cs typeface="+mn-cs"/>
+              </a:defRPr>
+            </a:lvl3pPr>
+            <a:lvl4pPr marL="1600200" indent="-228600" algn="l" defTabSz="914400" rtl="0" eaLnBrk="1" latinLnBrk="0" hangingPunct="1">
+              <a:lnSpc>
+                <a:spcPct val="90000"/>
+              </a:lnSpc>
+              <a:spcBef>
+                <a:spcPts val="500"/>
+              </a:spcBef>
+              <a:buFont typeface="Arial" panose="020B0604020202020204" pitchFamily="34" charset="0"/>
+              <a:buChar char="•"/>
+              <a:defRPr sz="1800" kern="1200">
+                <a:solidFill>
+                  <a:schemeClr val="tx1"/>
+                </a:solidFill>
+                <a:latin typeface="+mn-lt"/>
+                <a:ea typeface="+mn-ea"/>
+                <a:cs typeface="+mn-cs"/>
+              </a:defRPr>
+            </a:lvl4pPr>
+            <a:lvl5pPr marL="2057400" indent="-228600" algn="l" defTabSz="914400" rtl="0" eaLnBrk="1" latinLnBrk="0" hangingPunct="1">
+              <a:lnSpc>
+                <a:spcPct val="90000"/>
+              </a:lnSpc>
+              <a:spcBef>
+                <a:spcPts val="500"/>
+              </a:spcBef>
+              <a:buFont typeface="Arial" panose="020B0604020202020204" pitchFamily="34" charset="0"/>
+              <a:buChar char="•"/>
+              <a:defRPr sz="1800" kern="1200">
+                <a:solidFill>
+                  <a:schemeClr val="tx1"/>
+                </a:solidFill>
+                <a:latin typeface="+mn-lt"/>
+                <a:ea typeface="+mn-ea"/>
+                <a:cs typeface="+mn-cs"/>
+              </a:defRPr>
+            </a:lvl5pPr>
+            <a:lvl6pPr marL="2514600" indent="-228600" algn="l" defTabSz="914400" rtl="0" eaLnBrk="1" latinLnBrk="0" hangingPunct="1">
+              <a:lnSpc>
+                <a:spcPct val="90000"/>
+              </a:lnSpc>
+              <a:spcBef>
+                <a:spcPts val="500"/>
+              </a:spcBef>
+              <a:buFont typeface="Arial" panose="020B0604020202020204" pitchFamily="34" charset="0"/>
+              <a:buChar char="•"/>
+              <a:defRPr sz="1800" kern="1200">
+                <a:solidFill>
+                  <a:schemeClr val="tx1"/>
+                </a:solidFill>
+                <a:latin typeface="+mn-lt"/>
+                <a:ea typeface="+mn-ea"/>
+                <a:cs typeface="+mn-cs"/>
+              </a:defRPr>
+            </a:lvl6pPr>
+            <a:lvl7pPr marL="2971800" indent="-228600" algn="l" defTabSz="914400" rtl="0" eaLnBrk="1" latinLnBrk="0" hangingPunct="1">
+              <a:lnSpc>
+                <a:spcPct val="90000"/>
+              </a:lnSpc>
+              <a:spcBef>
+                <a:spcPts val="500"/>
+              </a:spcBef>
+              <a:buFont typeface="Arial" panose="020B0604020202020204" pitchFamily="34" charset="0"/>
+              <a:buChar char="•"/>
+              <a:defRPr sz="1800" kern="1200">
+                <a:solidFill>
+                  <a:schemeClr val="tx1"/>
+                </a:solidFill>
+                <a:latin typeface="+mn-lt"/>
+                <a:ea typeface="+mn-ea"/>
+                <a:cs typeface="+mn-cs"/>
+              </a:defRPr>
+            </a:lvl7pPr>
+            <a:lvl8pPr marL="3429000" indent="-228600" algn="l" defTabSz="914400" rtl="0" eaLnBrk="1" latinLnBrk="0" hangingPunct="1">
+              <a:lnSpc>
+                <a:spcPct val="90000"/>
+              </a:lnSpc>
+              <a:spcBef>
+                <a:spcPts val="500"/>
+              </a:spcBef>
+              <a:buFont typeface="Arial" panose="020B0604020202020204" pitchFamily="34" charset="0"/>
+              <a:buChar char="•"/>
+              <a:defRPr sz="1800" kern="1200">
+                <a:solidFill>
+                  <a:schemeClr val="tx1"/>
+                </a:solidFill>
+                <a:latin typeface="+mn-lt"/>
+                <a:ea typeface="+mn-ea"/>
+                <a:cs typeface="+mn-cs"/>
+              </a:defRPr>
+            </a:lvl8pPr>
+            <a:lvl9pPr marL="3886200" indent="-228600" algn="l" defTabSz="914400" rtl="0" eaLnBrk="1" latinLnBrk="0" hangingPunct="1">
+              <a:lnSpc>
+                <a:spcPct val="90000"/>
+              </a:lnSpc>
+              <a:spcBef>
+                <a:spcPts val="500"/>
+              </a:spcBef>
+              <a:buFont typeface="Arial" panose="020B0604020202020204" pitchFamily="34" charset="0"/>
+              <a:buChar char="•"/>
+              <a:defRPr sz="1800" kern="1200">
+                <a:solidFill>
+                  <a:schemeClr val="tx1"/>
+                </a:solidFill>
+                <a:latin typeface="+mn-lt"/>
+                <a:ea typeface="+mn-ea"/>
+                <a:cs typeface="+mn-cs"/>
+              </a:defRPr>
+            </a:lvl9pPr>
+          </a:lstStyle>
+          <a:p>
+            <a:pPr marL="0" indent="0">
+              <a:buNone/>
+            </a:pPr>
+            <a:r>
+              <a:rPr lang="en-US" sz="1200" dirty="0"/>
+              <a:t>Codes and files: </a:t>
+            </a:r>
+            <a:r>
+              <a:rPr lang="en-US" sz="1200" dirty="0">
+                <a:hlinkClick r:id="rId2"/>
+              </a:rPr>
+              <a:t>https://github.com/genvert/AP_157_FX-2_Vertudez/tree/main/Activity%202%20Part%202</a:t>
+            </a:r>
+            <a:endParaRPr lang="en-US" sz="1200" dirty="0"/>
+          </a:p>
+        </p:txBody>
+      </p:sp>
+    </p:spTree>
+    <p:extLst>
+      <p:ext uri="{BB962C8B-B14F-4D97-AF65-F5344CB8AC3E}">
+        <p14:creationId xmlns:p14="http://schemas.microsoft.com/office/powerpoint/2010/main" val="3005793393"/>
+      </p:ext>
+    </p:extLst>
+  </p:cSld>
+  <p:clrMapOvr>
+    <a:masterClrMapping/>
+  </p:clrMapOvr>
+</p:sld>
+</file>
+
+<file path=ppt/slides/slide12.xml><?xml version="1.0" encoding="utf-8"?>
+<p:sld xmlns:a="http://schemas.openxmlformats.org/drawingml/2006/main" xmlns:r="http://schemas.openxmlformats.org/officeDocument/2006/relationships" xmlns:p="http://schemas.openxmlformats.org/presentationml/2006/main">
+  <p:cSld>
+    <p:spTree>
+      <p:nvGrpSpPr>
+        <p:cNvPr id="1" name=""/>
+        <p:cNvGrpSpPr/>
+        <p:nvPr/>
+      </p:nvGrpSpPr>
+      <p:grpSpPr>
+        <a:xfrm>
+          <a:off x="0" y="0"/>
+          <a:ext cx="0" cy="0"/>
+          <a:chOff x="0" y="0"/>
+          <a:chExt cx="0" cy="0"/>
+        </a:xfrm>
+      </p:grpSpPr>
+      <p:sp>
+        <p:nvSpPr>
+          <p:cNvPr id="2" name="Title 1">
+            <a:extLst>
+              <a:ext uri="{FF2B5EF4-FFF2-40B4-BE49-F238E27FC236}">
+                <a16:creationId xmlns:a16="http://schemas.microsoft.com/office/drawing/2014/main" id="{FB10E9C4-38D8-4459-800D-34EFB8965C72}"/>
+              </a:ext>
+            </a:extLst>
+          </p:cNvPr>
+          <p:cNvSpPr>
+            <a:spLocks noGrp="1"/>
+          </p:cNvSpPr>
+          <p:nvPr>
+            <p:ph type="title"/>
+          </p:nvPr>
+        </p:nvSpPr>
+        <p:spPr/>
+        <p:txBody>
+          <a:bodyPr/>
+          <a:lstStyle/>
+          <a:p>
+            <a:r>
+              <a:rPr lang="en-US" dirty="0"/>
+              <a:t>REFLECTION</a:t>
+            </a:r>
+          </a:p>
+        </p:txBody>
+      </p:sp>
+      <p:sp>
+        <p:nvSpPr>
+          <p:cNvPr id="3" name="Content Placeholder 2">
+            <a:extLst>
+              <a:ext uri="{FF2B5EF4-FFF2-40B4-BE49-F238E27FC236}">
+                <a16:creationId xmlns:a16="http://schemas.microsoft.com/office/drawing/2014/main" id="{D311CE1B-D3A4-475E-8BB4-E8DD00D0BF45}"/>
+              </a:ext>
+            </a:extLst>
+          </p:cNvPr>
+          <p:cNvSpPr>
+            <a:spLocks noGrp="1"/>
+          </p:cNvSpPr>
+          <p:nvPr>
+            <p:ph idx="1"/>
+          </p:nvPr>
+        </p:nvSpPr>
+        <p:spPr/>
+        <p:txBody>
+          <a:bodyPr/>
+          <a:lstStyle/>
+          <a:p>
+            <a:r>
+              <a:rPr lang="en-US" dirty="0"/>
+              <a:t>This activity was straightforward so I was able to follow it easily.</a:t>
+            </a:r>
+          </a:p>
+          <a:p>
+            <a:r>
+              <a:rPr lang="en-US" dirty="0"/>
+              <a:t>It is cool that the pixels can act as Dirac delta functions such that other images are copied to each pixel when convolved.</a:t>
+            </a:r>
+          </a:p>
+          <a:p>
+            <a:r>
+              <a:rPr lang="en-US" dirty="0"/>
+              <a:t>I managed to do it on time this time.</a:t>
+            </a:r>
+          </a:p>
+          <a:p>
+            <a:r>
+              <a:rPr lang="en-US" dirty="0"/>
+              <a:t>I give myself a 10/10.</a:t>
+            </a:r>
+          </a:p>
+        </p:txBody>
+      </p:sp>
+    </p:spTree>
+    <p:extLst>
+      <p:ext uri="{BB962C8B-B14F-4D97-AF65-F5344CB8AC3E}">
+        <p14:creationId xmlns:p14="http://schemas.microsoft.com/office/powerpoint/2010/main" val="2210186110"/>
+      </p:ext>
+    </p:extLst>
+  </p:cSld>
+  <p:clrMapOvr>
+    <a:masterClrMapping/>
+  </p:clrMapOvr>
+</p:sld>
+</file>
+
+<file path=ppt/slides/slide13.xml><?xml version="1.0" encoding="utf-8"?>
+<p:sld xmlns:a="http://schemas.openxmlformats.org/drawingml/2006/main" xmlns:r="http://schemas.openxmlformats.org/officeDocument/2006/relationships" xmlns:p="http://schemas.openxmlformats.org/presentationml/2006/main">
+  <p:cSld>
+    <p:spTree>
+      <p:nvGrpSpPr>
+        <p:cNvPr id="1" name=""/>
+        <p:cNvGrpSpPr/>
+        <p:nvPr/>
+      </p:nvGrpSpPr>
+      <p:grpSpPr>
+        <a:xfrm>
+          <a:off x="0" y="0"/>
+          <a:ext cx="0" cy="0"/>
+          <a:chOff x="0" y="0"/>
+          <a:chExt cx="0" cy="0"/>
+        </a:xfrm>
+      </p:grpSpPr>
+      <p:sp>
+        <p:nvSpPr>
+          <p:cNvPr id="109" name="PlaceHolder 1"/>
+          <p:cNvSpPr>
+            <a:spLocks noGrp="1"/>
+          </p:cNvSpPr>
+          <p:nvPr>
+            <p:ph type="title"/>
+          </p:nvPr>
+        </p:nvSpPr>
+        <p:spPr>
+          <a:xfrm>
+            <a:off x="838080" y="365040"/>
+            <a:ext cx="10515240" cy="1325160"/>
+          </a:xfrm>
+          <a:prstGeom prst="rect">
+            <a:avLst/>
+          </a:prstGeom>
+          <a:noFill/>
+          <a:ln w="0">
+            <a:noFill/>
+          </a:ln>
+        </p:spPr>
+        <p:txBody>
+          <a:bodyPr anchor="ctr">
+            <a:noAutofit/>
+          </a:bodyPr>
+          <a:lstStyle/>
+          <a:p>
+            <a:pPr>
+              <a:lnSpc>
+                <a:spcPct val="90000"/>
+              </a:lnSpc>
+              <a:buNone/>
+            </a:pPr>
+            <a:r>
+              <a:rPr lang="en-US" sz="4400" strike="noStrike" spc="-1" dirty="0">
+                <a:solidFill>
+                  <a:srgbClr val="000000"/>
+                </a:solidFill>
+                <a:latin typeface="Calibri Light" panose="020F0302020204030204" pitchFamily="34" charset="0"/>
+                <a:cs typeface="Calibri Light" panose="020F0302020204030204" pitchFamily="34" charset="0"/>
+              </a:rPr>
+              <a:t>SELF-GRADE</a:t>
+            </a:r>
+          </a:p>
+        </p:txBody>
+      </p:sp>
+      <p:sp>
+        <p:nvSpPr>
+          <p:cNvPr id="110" name="PlaceHolder 2"/>
+          <p:cNvSpPr>
+            <a:spLocks noGrp="1"/>
+          </p:cNvSpPr>
+          <p:nvPr>
+            <p:ph/>
+          </p:nvPr>
+        </p:nvSpPr>
+        <p:spPr>
+          <a:xfrm>
+            <a:off x="838080" y="1825560"/>
+            <a:ext cx="10515240" cy="4350960"/>
+          </a:xfrm>
+          <a:prstGeom prst="rect">
+            <a:avLst/>
+          </a:prstGeom>
+          <a:noFill/>
+          <a:ln w="0">
+            <a:noFill/>
+          </a:ln>
+        </p:spPr>
+        <p:txBody>
+          <a:bodyPr anchor="t">
+            <a:noAutofit/>
+          </a:bodyPr>
+          <a:lstStyle/>
+          <a:p>
+            <a:pPr marL="228600" indent="-228600">
+              <a:lnSpc>
+                <a:spcPct val="90000"/>
+              </a:lnSpc>
+              <a:spcBef>
+                <a:spcPts val="1001"/>
+              </a:spcBef>
+              <a:buClr>
+                <a:srgbClr val="000000"/>
+              </a:buClr>
+              <a:buFont typeface="Arial"/>
+              <a:buChar char="•"/>
+            </a:pPr>
+            <a:r>
+              <a:rPr lang="en-US" sz="2400" spc="-1" dirty="0">
+                <a:solidFill>
+                  <a:srgbClr val="000000"/>
+                </a:solidFill>
+                <a:latin typeface="Calibri"/>
+              </a:rPr>
+              <a:t>Technical correctness: 35/35</a:t>
+            </a:r>
+          </a:p>
+          <a:p>
+            <a:pPr lvl="1">
+              <a:spcBef>
+                <a:spcPts val="1001"/>
+              </a:spcBef>
+              <a:buClr>
+                <a:srgbClr val="000000"/>
+              </a:buClr>
+              <a:buFont typeface="Arial"/>
+              <a:buChar char="•"/>
+            </a:pPr>
+            <a:r>
+              <a:rPr lang="en-US" sz="2000" b="0" strike="noStrike" spc="-1" dirty="0">
+                <a:solidFill>
+                  <a:srgbClr val="000000"/>
+                </a:solidFill>
+                <a:latin typeface="Calibri"/>
+              </a:rPr>
+              <a:t>I </a:t>
+            </a:r>
+            <a:r>
+              <a:rPr lang="en-US" sz="2000" spc="-1" dirty="0">
+                <a:solidFill>
+                  <a:srgbClr val="000000"/>
+                </a:solidFill>
+                <a:latin typeface="Calibri"/>
+              </a:rPr>
+              <a:t>am confident that I understood how to use ImageJ to extract feature from images, and have applied it.</a:t>
+            </a:r>
+          </a:p>
+          <a:p>
+            <a:pPr marL="228600" indent="-228600">
+              <a:lnSpc>
+                <a:spcPct val="90000"/>
+              </a:lnSpc>
+              <a:spcBef>
+                <a:spcPts val="1001"/>
+              </a:spcBef>
+              <a:buClr>
+                <a:srgbClr val="000000"/>
+              </a:buClr>
+              <a:buFont typeface="Arial"/>
+              <a:buChar char="•"/>
+            </a:pPr>
+            <a:r>
+              <a:rPr lang="en-US" sz="2400" spc="-1" dirty="0">
+                <a:solidFill>
+                  <a:srgbClr val="000000"/>
+                </a:solidFill>
+                <a:latin typeface="Calibri"/>
+              </a:rPr>
+              <a:t>Quality of presentation: 35/35</a:t>
+            </a:r>
+          </a:p>
+          <a:p>
+            <a:pPr lvl="1">
+              <a:spcBef>
+                <a:spcPts val="1001"/>
+              </a:spcBef>
+              <a:buClr>
+                <a:srgbClr val="000000"/>
+              </a:buClr>
+              <a:buFont typeface="Arial"/>
+              <a:buChar char="•"/>
+            </a:pPr>
+            <a:r>
+              <a:rPr lang="en-US" sz="2000" spc="-1" dirty="0">
+                <a:solidFill>
+                  <a:srgbClr val="000000"/>
+                </a:solidFill>
+                <a:latin typeface="Calibri"/>
+              </a:rPr>
+              <a:t>I have explained each step, and images are clear and concise.</a:t>
+            </a:r>
+          </a:p>
+          <a:p>
+            <a:pPr marL="228600" indent="-228600">
+              <a:lnSpc>
+                <a:spcPct val="90000"/>
+              </a:lnSpc>
+              <a:spcBef>
+                <a:spcPts val="1001"/>
+              </a:spcBef>
+              <a:buClr>
+                <a:srgbClr val="000000"/>
+              </a:buClr>
+              <a:buFont typeface="Arial"/>
+              <a:buChar char="•"/>
+            </a:pPr>
+            <a:r>
+              <a:rPr lang="en-US" sz="2400" spc="-1" dirty="0">
+                <a:solidFill>
+                  <a:srgbClr val="000000"/>
+                </a:solidFill>
+                <a:latin typeface="Calibri"/>
+              </a:rPr>
+              <a:t>Self-reflection: 30/30</a:t>
+            </a:r>
+          </a:p>
+          <a:p>
+            <a:pPr lvl="1">
+              <a:spcBef>
+                <a:spcPts val="1001"/>
+              </a:spcBef>
+              <a:buClr>
+                <a:srgbClr val="000000"/>
+              </a:buClr>
+              <a:buFont typeface="Arial"/>
+              <a:buChar char="•"/>
+            </a:pPr>
+            <a:r>
+              <a:rPr lang="en-US" sz="2000" spc="-1" dirty="0">
+                <a:solidFill>
+                  <a:srgbClr val="000000"/>
+                </a:solidFill>
+                <a:latin typeface="Calibri"/>
+              </a:rPr>
+              <a:t>Even though I was slacking in this subject for a while, I managed to get back on track. The topics are really fun and interesting. It helped me understand the ideas behind image tools such as smartphone cameras, Photoshop, etc.</a:t>
+            </a:r>
+          </a:p>
+          <a:p>
+            <a:pPr marL="228600" indent="-228600">
+              <a:lnSpc>
+                <a:spcPct val="90000"/>
+              </a:lnSpc>
+              <a:spcBef>
+                <a:spcPts val="1001"/>
+              </a:spcBef>
+              <a:buClr>
+                <a:srgbClr val="000000"/>
+              </a:buClr>
+              <a:buFont typeface="Arial"/>
+              <a:buChar char="•"/>
+            </a:pPr>
+            <a:r>
+              <a:rPr lang="en-US" sz="2400" spc="-1" dirty="0">
+                <a:solidFill>
+                  <a:srgbClr val="000000"/>
+                </a:solidFill>
+                <a:latin typeface="Calibri"/>
+              </a:rPr>
+              <a:t>Initiative: 10/10</a:t>
+            </a:r>
+          </a:p>
+          <a:p>
+            <a:pPr lvl="1">
+              <a:spcBef>
+                <a:spcPts val="1001"/>
+              </a:spcBef>
+              <a:buClr>
+                <a:srgbClr val="000000"/>
+              </a:buClr>
+              <a:buFont typeface="Arial"/>
+              <a:buChar char="•"/>
+            </a:pPr>
+            <a:r>
+              <a:rPr lang="en-US" sz="2000" spc="-1" dirty="0">
+                <a:solidFill>
+                  <a:srgbClr val="000000"/>
+                </a:solidFill>
+                <a:latin typeface="Calibri"/>
+              </a:rPr>
+              <a:t>I used an extra image for extraction.</a:t>
+            </a:r>
+          </a:p>
+        </p:txBody>
+      </p:sp>
+    </p:spTree>
+    <p:extLst>
+      <p:ext uri="{BB962C8B-B14F-4D97-AF65-F5344CB8AC3E}">
+        <p14:creationId xmlns:p14="http://schemas.microsoft.com/office/powerpoint/2010/main" val="3784929317"/>
+      </p:ext>
+    </p:extLst>
+  </p:cSld>
+  <p:clrMapOvr>
+    <a:masterClrMapping/>
+  </p:clrMapOvr>
+</p:sld>
+</file>
+
 <file path=ppt/slides/slide2.xml><?xml version="1.0" encoding="utf-8"?>
 <p:sld xmlns:a="http://schemas.openxmlformats.org/drawingml/2006/main" xmlns:r="http://schemas.openxmlformats.org/officeDocument/2006/relationships" xmlns:p="http://schemas.openxmlformats.org/presentationml/2006/main">
   <p:cSld>
@@ -3581,586 +4520,7 @@
           <a:p>
             <a:r>
               <a:rPr lang="en-US" dirty="0"/>
-              <a:t>RESULTS &amp; ANALYSIS</a:t>
-            </a:r>
-          </a:p>
-        </p:txBody>
-      </p:sp>
-      <p:pic>
-        <p:nvPicPr>
-          <p:cNvPr id="37" name="Content Placeholder 36">
-            <a:extLst>
-              <a:ext uri="{FF2B5EF4-FFF2-40B4-BE49-F238E27FC236}">
-                <a16:creationId xmlns:a16="http://schemas.microsoft.com/office/drawing/2014/main" id="{645544F2-4CA4-470C-B0D1-63F7DC4EEAD4}"/>
-              </a:ext>
-            </a:extLst>
-          </p:cNvPr>
-          <p:cNvPicPr>
-            <a:picLocks noGrp="1" noChangeAspect="1"/>
-          </p:cNvPicPr>
-          <p:nvPr>
-            <p:ph idx="1"/>
-          </p:nvPr>
-        </p:nvPicPr>
-        <p:blipFill>
-          <a:blip r:embed="rId2">
-            <a:extLst>
-              <a:ext uri="{28A0092B-C50C-407E-A947-70E740481C1C}">
-                <a14:useLocalDpi xmlns:a14="http://schemas.microsoft.com/office/drawing/2010/main" val="0"/>
-              </a:ext>
-            </a:extLst>
-          </a:blip>
-          <a:stretch>
-            <a:fillRect/>
-          </a:stretch>
-        </p:blipFill>
-        <p:spPr>
-          <a:xfrm>
-            <a:off x="2361639" y="3713223"/>
-            <a:ext cx="1181281" cy="1181281"/>
-          </a:xfrm>
-        </p:spPr>
-      </p:pic>
-      <p:pic>
-        <p:nvPicPr>
-          <p:cNvPr id="41" name="Picture 40">
-            <a:extLst>
-              <a:ext uri="{FF2B5EF4-FFF2-40B4-BE49-F238E27FC236}">
-                <a16:creationId xmlns:a16="http://schemas.microsoft.com/office/drawing/2014/main" id="{8C573ED8-73D5-4919-AB51-6D916FBB5C0A}"/>
-              </a:ext>
-            </a:extLst>
-          </p:cNvPr>
-          <p:cNvPicPr>
-            <a:picLocks noChangeAspect="1"/>
-          </p:cNvPicPr>
-          <p:nvPr/>
-        </p:nvPicPr>
-        <p:blipFill>
-          <a:blip r:embed="rId3">
-            <a:extLst>
-              <a:ext uri="{28A0092B-C50C-407E-A947-70E740481C1C}">
-                <a14:useLocalDpi xmlns:a14="http://schemas.microsoft.com/office/drawing/2010/main" val="0"/>
-              </a:ext>
-            </a:extLst>
-          </a:blip>
-          <a:stretch>
-            <a:fillRect/>
-          </a:stretch>
-        </p:blipFill>
-        <p:spPr>
-          <a:xfrm>
-            <a:off x="3664038" y="3731521"/>
-            <a:ext cx="1181281" cy="1181281"/>
-          </a:xfrm>
-          <a:prstGeom prst="rect">
-            <a:avLst/>
-          </a:prstGeom>
-        </p:spPr>
-      </p:pic>
-      <p:pic>
-        <p:nvPicPr>
-          <p:cNvPr id="43" name="Picture 42">
-            <a:extLst>
-              <a:ext uri="{FF2B5EF4-FFF2-40B4-BE49-F238E27FC236}">
-                <a16:creationId xmlns:a16="http://schemas.microsoft.com/office/drawing/2014/main" id="{01DAA23C-00A5-47F2-8676-385731AE0992}"/>
-              </a:ext>
-            </a:extLst>
-          </p:cNvPr>
-          <p:cNvPicPr>
-            <a:picLocks noChangeAspect="1"/>
-          </p:cNvPicPr>
-          <p:nvPr/>
-        </p:nvPicPr>
-        <p:blipFill>
-          <a:blip r:embed="rId4">
-            <a:extLst>
-              <a:ext uri="{28A0092B-C50C-407E-A947-70E740481C1C}">
-                <a14:useLocalDpi xmlns:a14="http://schemas.microsoft.com/office/drawing/2010/main" val="0"/>
-              </a:ext>
-            </a:extLst>
-          </a:blip>
-          <a:stretch>
-            <a:fillRect/>
-          </a:stretch>
-        </p:blipFill>
-        <p:spPr>
-          <a:xfrm>
-            <a:off x="4982508" y="3713223"/>
-            <a:ext cx="1181281" cy="1181281"/>
-          </a:xfrm>
-          <a:prstGeom prst="rect">
-            <a:avLst/>
-          </a:prstGeom>
-        </p:spPr>
-      </p:pic>
-      <p:pic>
-        <p:nvPicPr>
-          <p:cNvPr id="45" name="Picture 44">
-            <a:extLst>
-              <a:ext uri="{FF2B5EF4-FFF2-40B4-BE49-F238E27FC236}">
-                <a16:creationId xmlns:a16="http://schemas.microsoft.com/office/drawing/2014/main" id="{225DD465-6AD4-4BDB-A8D4-7D0E4B1C01DC}"/>
-              </a:ext>
-            </a:extLst>
-          </p:cNvPr>
-          <p:cNvPicPr>
-            <a:picLocks noChangeAspect="1"/>
-          </p:cNvPicPr>
-          <p:nvPr/>
-        </p:nvPicPr>
-        <p:blipFill>
-          <a:blip r:embed="rId5">
-            <a:extLst>
-              <a:ext uri="{28A0092B-C50C-407E-A947-70E740481C1C}">
-                <a14:useLocalDpi xmlns:a14="http://schemas.microsoft.com/office/drawing/2010/main" val="0"/>
-              </a:ext>
-            </a:extLst>
-          </a:blip>
-          <a:stretch>
-            <a:fillRect/>
-          </a:stretch>
-        </p:blipFill>
-        <p:spPr>
-          <a:xfrm>
-            <a:off x="6288761" y="3713223"/>
-            <a:ext cx="1181281" cy="1181281"/>
-          </a:xfrm>
-          <a:prstGeom prst="rect">
-            <a:avLst/>
-          </a:prstGeom>
-        </p:spPr>
-      </p:pic>
-      <p:pic>
-        <p:nvPicPr>
-          <p:cNvPr id="47" name="Picture 46">
-            <a:extLst>
-              <a:ext uri="{FF2B5EF4-FFF2-40B4-BE49-F238E27FC236}">
-                <a16:creationId xmlns:a16="http://schemas.microsoft.com/office/drawing/2014/main" id="{EDF02C17-0229-4540-889A-8308ED56A76E}"/>
-              </a:ext>
-            </a:extLst>
-          </p:cNvPr>
-          <p:cNvPicPr>
-            <a:picLocks noChangeAspect="1"/>
-          </p:cNvPicPr>
-          <p:nvPr/>
-        </p:nvPicPr>
-        <p:blipFill>
-          <a:blip r:embed="rId6">
-            <a:extLst>
-              <a:ext uri="{28A0092B-C50C-407E-A947-70E740481C1C}">
-                <a14:useLocalDpi xmlns:a14="http://schemas.microsoft.com/office/drawing/2010/main" val="0"/>
-              </a:ext>
-            </a:extLst>
-          </a:blip>
-          <a:stretch>
-            <a:fillRect/>
-          </a:stretch>
-        </p:blipFill>
-        <p:spPr>
-          <a:xfrm>
-            <a:off x="7586373" y="3709500"/>
-            <a:ext cx="1181281" cy="1181281"/>
-          </a:xfrm>
-          <a:prstGeom prst="rect">
-            <a:avLst/>
-          </a:prstGeom>
-        </p:spPr>
-      </p:pic>
-      <p:pic>
-        <p:nvPicPr>
-          <p:cNvPr id="51" name="Picture 50">
-            <a:extLst>
-              <a:ext uri="{FF2B5EF4-FFF2-40B4-BE49-F238E27FC236}">
-                <a16:creationId xmlns:a16="http://schemas.microsoft.com/office/drawing/2014/main" id="{3AC75487-5E80-4296-99F5-ED54833A9653}"/>
-              </a:ext>
-            </a:extLst>
-          </p:cNvPr>
-          <p:cNvPicPr>
-            <a:picLocks noChangeAspect="1"/>
-          </p:cNvPicPr>
-          <p:nvPr/>
-        </p:nvPicPr>
-        <p:blipFill>
-          <a:blip r:embed="rId7">
-            <a:extLst>
-              <a:ext uri="{28A0092B-C50C-407E-A947-70E740481C1C}">
-                <a14:useLocalDpi xmlns:a14="http://schemas.microsoft.com/office/drawing/2010/main" val="0"/>
-              </a:ext>
-            </a:extLst>
-          </a:blip>
-          <a:stretch>
-            <a:fillRect/>
-          </a:stretch>
-        </p:blipFill>
-        <p:spPr>
-          <a:xfrm>
-            <a:off x="2361639" y="2394638"/>
-            <a:ext cx="1181281" cy="1181281"/>
-          </a:xfrm>
-          <a:prstGeom prst="rect">
-            <a:avLst/>
-          </a:prstGeom>
-        </p:spPr>
-      </p:pic>
-      <p:pic>
-        <p:nvPicPr>
-          <p:cNvPr id="53" name="Picture 52">
-            <a:extLst>
-              <a:ext uri="{FF2B5EF4-FFF2-40B4-BE49-F238E27FC236}">
-                <a16:creationId xmlns:a16="http://schemas.microsoft.com/office/drawing/2014/main" id="{6EE6024C-6234-4767-88B3-01E49082EC90}"/>
-              </a:ext>
-            </a:extLst>
-          </p:cNvPr>
-          <p:cNvPicPr>
-            <a:picLocks noChangeAspect="1"/>
-          </p:cNvPicPr>
-          <p:nvPr/>
-        </p:nvPicPr>
-        <p:blipFill>
-          <a:blip r:embed="rId8">
-            <a:extLst>
-              <a:ext uri="{28A0092B-C50C-407E-A947-70E740481C1C}">
-                <a14:useLocalDpi xmlns:a14="http://schemas.microsoft.com/office/drawing/2010/main" val="0"/>
-              </a:ext>
-            </a:extLst>
-          </a:blip>
-          <a:stretch>
-            <a:fillRect/>
-          </a:stretch>
-        </p:blipFill>
-        <p:spPr>
-          <a:xfrm>
-            <a:off x="3664038" y="2394638"/>
-            <a:ext cx="1181281" cy="1181281"/>
-          </a:xfrm>
-          <a:prstGeom prst="rect">
-            <a:avLst/>
-          </a:prstGeom>
-        </p:spPr>
-      </p:pic>
-      <p:pic>
-        <p:nvPicPr>
-          <p:cNvPr id="55" name="Picture 54">
-            <a:extLst>
-              <a:ext uri="{FF2B5EF4-FFF2-40B4-BE49-F238E27FC236}">
-                <a16:creationId xmlns:a16="http://schemas.microsoft.com/office/drawing/2014/main" id="{F3D72060-9D9B-4502-A5C5-EF4AAF3C94B0}"/>
-              </a:ext>
-            </a:extLst>
-          </p:cNvPr>
-          <p:cNvPicPr>
-            <a:picLocks noChangeAspect="1"/>
-          </p:cNvPicPr>
-          <p:nvPr/>
-        </p:nvPicPr>
-        <p:blipFill>
-          <a:blip r:embed="rId9">
-            <a:extLst>
-              <a:ext uri="{28A0092B-C50C-407E-A947-70E740481C1C}">
-                <a14:useLocalDpi xmlns:a14="http://schemas.microsoft.com/office/drawing/2010/main" val="0"/>
-              </a:ext>
-            </a:extLst>
-          </a:blip>
-          <a:stretch>
-            <a:fillRect/>
-          </a:stretch>
-        </p:blipFill>
-        <p:spPr>
-          <a:xfrm>
-            <a:off x="4982508" y="2394638"/>
-            <a:ext cx="1181281" cy="1181281"/>
-          </a:xfrm>
-          <a:prstGeom prst="rect">
-            <a:avLst/>
-          </a:prstGeom>
-        </p:spPr>
-      </p:pic>
-      <p:pic>
-        <p:nvPicPr>
-          <p:cNvPr id="57" name="Picture 56">
-            <a:extLst>
-              <a:ext uri="{FF2B5EF4-FFF2-40B4-BE49-F238E27FC236}">
-                <a16:creationId xmlns:a16="http://schemas.microsoft.com/office/drawing/2014/main" id="{2C968B31-F3DF-4185-BC4B-3180E9A1644B}"/>
-              </a:ext>
-            </a:extLst>
-          </p:cNvPr>
-          <p:cNvPicPr>
-            <a:picLocks noChangeAspect="1"/>
-          </p:cNvPicPr>
-          <p:nvPr/>
-        </p:nvPicPr>
-        <p:blipFill>
-          <a:blip r:embed="rId10">
-            <a:extLst>
-              <a:ext uri="{28A0092B-C50C-407E-A947-70E740481C1C}">
-                <a14:useLocalDpi xmlns:a14="http://schemas.microsoft.com/office/drawing/2010/main" val="0"/>
-              </a:ext>
-            </a:extLst>
-          </a:blip>
-          <a:stretch>
-            <a:fillRect/>
-          </a:stretch>
-        </p:blipFill>
-        <p:spPr>
-          <a:xfrm>
-            <a:off x="6288761" y="2394638"/>
-            <a:ext cx="1181281" cy="1181281"/>
-          </a:xfrm>
-          <a:prstGeom prst="rect">
-            <a:avLst/>
-          </a:prstGeom>
-        </p:spPr>
-      </p:pic>
-      <p:pic>
-        <p:nvPicPr>
-          <p:cNvPr id="61" name="Picture 60">
-            <a:extLst>
-              <a:ext uri="{FF2B5EF4-FFF2-40B4-BE49-F238E27FC236}">
-                <a16:creationId xmlns:a16="http://schemas.microsoft.com/office/drawing/2014/main" id="{960699DA-01A7-4818-8912-36C15A84E8FA}"/>
-              </a:ext>
-            </a:extLst>
-          </p:cNvPr>
-          <p:cNvPicPr>
-            <a:picLocks noChangeAspect="1"/>
-          </p:cNvPicPr>
-          <p:nvPr/>
-        </p:nvPicPr>
-        <p:blipFill>
-          <a:blip r:embed="rId11">
-            <a:extLst>
-              <a:ext uri="{28A0092B-C50C-407E-A947-70E740481C1C}">
-                <a14:useLocalDpi xmlns:a14="http://schemas.microsoft.com/office/drawing/2010/main" val="0"/>
-              </a:ext>
-            </a:extLst>
-          </a:blip>
-          <a:stretch>
-            <a:fillRect/>
-          </a:stretch>
-        </p:blipFill>
-        <p:spPr>
-          <a:xfrm>
-            <a:off x="7586373" y="2394638"/>
-            <a:ext cx="1181281" cy="1181281"/>
-          </a:xfrm>
-          <a:prstGeom prst="rect">
-            <a:avLst/>
-          </a:prstGeom>
-        </p:spPr>
-      </p:pic>
-      <p:sp>
-        <p:nvSpPr>
-          <p:cNvPr id="40" name="Content Placeholder 2">
-            <a:extLst>
-              <a:ext uri="{FF2B5EF4-FFF2-40B4-BE49-F238E27FC236}">
-                <a16:creationId xmlns:a16="http://schemas.microsoft.com/office/drawing/2014/main" id="{F83C7AF4-9984-4D63-819D-18367F67E82F}"/>
-              </a:ext>
-            </a:extLst>
-          </p:cNvPr>
-          <p:cNvSpPr txBox="1">
-            <a:spLocks/>
-          </p:cNvSpPr>
-          <p:nvPr/>
-        </p:nvSpPr>
-        <p:spPr>
-          <a:xfrm>
-            <a:off x="838200" y="1825625"/>
-            <a:ext cx="10515600" cy="4351338"/>
-          </a:xfrm>
-          <a:prstGeom prst="rect">
-            <a:avLst/>
-          </a:prstGeom>
-        </p:spPr>
-        <p:txBody>
-          <a:bodyPr vert="horz" lIns="91440" tIns="45720" rIns="91440" bIns="45720" rtlCol="0">
-            <a:normAutofit/>
-          </a:bodyPr>
-          <a:lstStyle>
-            <a:lvl1pPr marL="228600" indent="-228600" algn="l" defTabSz="914400" rtl="0" eaLnBrk="1" latinLnBrk="0" hangingPunct="1">
-              <a:lnSpc>
-                <a:spcPct val="90000"/>
-              </a:lnSpc>
-              <a:spcBef>
-                <a:spcPts val="1000"/>
-              </a:spcBef>
-              <a:buFont typeface="Arial" panose="020B0604020202020204" pitchFamily="34" charset="0"/>
-              <a:buChar char="•"/>
-              <a:defRPr sz="2800" kern="1200">
-                <a:solidFill>
-                  <a:schemeClr val="tx1"/>
-                </a:solidFill>
-                <a:latin typeface="+mn-lt"/>
-                <a:ea typeface="+mn-ea"/>
-                <a:cs typeface="+mn-cs"/>
-              </a:defRPr>
-            </a:lvl1pPr>
-            <a:lvl2pPr marL="685800" indent="-228600" algn="l" defTabSz="914400" rtl="0" eaLnBrk="1" latinLnBrk="0" hangingPunct="1">
-              <a:lnSpc>
-                <a:spcPct val="90000"/>
-              </a:lnSpc>
-              <a:spcBef>
-                <a:spcPts val="500"/>
-              </a:spcBef>
-              <a:buFont typeface="Arial" panose="020B0604020202020204" pitchFamily="34" charset="0"/>
-              <a:buChar char="•"/>
-              <a:defRPr sz="2400" kern="1200">
-                <a:solidFill>
-                  <a:schemeClr val="tx1"/>
-                </a:solidFill>
-                <a:latin typeface="+mn-lt"/>
-                <a:ea typeface="+mn-ea"/>
-                <a:cs typeface="+mn-cs"/>
-              </a:defRPr>
-            </a:lvl2pPr>
-            <a:lvl3pPr marL="1143000" indent="-228600" algn="l" defTabSz="914400" rtl="0" eaLnBrk="1" latinLnBrk="0" hangingPunct="1">
-              <a:lnSpc>
-                <a:spcPct val="90000"/>
-              </a:lnSpc>
-              <a:spcBef>
-                <a:spcPts val="500"/>
-              </a:spcBef>
-              <a:buFont typeface="Arial" panose="020B0604020202020204" pitchFamily="34" charset="0"/>
-              <a:buChar char="•"/>
-              <a:defRPr sz="2000" kern="1200">
-                <a:solidFill>
-                  <a:schemeClr val="tx1"/>
-                </a:solidFill>
-                <a:latin typeface="+mn-lt"/>
-                <a:ea typeface="+mn-ea"/>
-                <a:cs typeface="+mn-cs"/>
-              </a:defRPr>
-            </a:lvl3pPr>
-            <a:lvl4pPr marL="1600200" indent="-228600" algn="l" defTabSz="914400" rtl="0" eaLnBrk="1" latinLnBrk="0" hangingPunct="1">
-              <a:lnSpc>
-                <a:spcPct val="90000"/>
-              </a:lnSpc>
-              <a:spcBef>
-                <a:spcPts val="500"/>
-              </a:spcBef>
-              <a:buFont typeface="Arial" panose="020B0604020202020204" pitchFamily="34" charset="0"/>
-              <a:buChar char="•"/>
-              <a:defRPr sz="1800" kern="1200">
-                <a:solidFill>
-                  <a:schemeClr val="tx1"/>
-                </a:solidFill>
-                <a:latin typeface="+mn-lt"/>
-                <a:ea typeface="+mn-ea"/>
-                <a:cs typeface="+mn-cs"/>
-              </a:defRPr>
-            </a:lvl4pPr>
-            <a:lvl5pPr marL="2057400" indent="-228600" algn="l" defTabSz="914400" rtl="0" eaLnBrk="1" latinLnBrk="0" hangingPunct="1">
-              <a:lnSpc>
-                <a:spcPct val="90000"/>
-              </a:lnSpc>
-              <a:spcBef>
-                <a:spcPts val="500"/>
-              </a:spcBef>
-              <a:buFont typeface="Arial" panose="020B0604020202020204" pitchFamily="34" charset="0"/>
-              <a:buChar char="•"/>
-              <a:defRPr sz="1800" kern="1200">
-                <a:solidFill>
-                  <a:schemeClr val="tx1"/>
-                </a:solidFill>
-                <a:latin typeface="+mn-lt"/>
-                <a:ea typeface="+mn-ea"/>
-                <a:cs typeface="+mn-cs"/>
-              </a:defRPr>
-            </a:lvl5pPr>
-            <a:lvl6pPr marL="2514600" indent="-228600" algn="l" defTabSz="914400" rtl="0" eaLnBrk="1" latinLnBrk="0" hangingPunct="1">
-              <a:lnSpc>
-                <a:spcPct val="90000"/>
-              </a:lnSpc>
-              <a:spcBef>
-                <a:spcPts val="500"/>
-              </a:spcBef>
-              <a:buFont typeface="Arial" panose="020B0604020202020204" pitchFamily="34" charset="0"/>
-              <a:buChar char="•"/>
-              <a:defRPr sz="1800" kern="1200">
-                <a:solidFill>
-                  <a:schemeClr val="tx1"/>
-                </a:solidFill>
-                <a:latin typeface="+mn-lt"/>
-                <a:ea typeface="+mn-ea"/>
-                <a:cs typeface="+mn-cs"/>
-              </a:defRPr>
-            </a:lvl6pPr>
-            <a:lvl7pPr marL="2971800" indent="-228600" algn="l" defTabSz="914400" rtl="0" eaLnBrk="1" latinLnBrk="0" hangingPunct="1">
-              <a:lnSpc>
-                <a:spcPct val="90000"/>
-              </a:lnSpc>
-              <a:spcBef>
-                <a:spcPts val="500"/>
-              </a:spcBef>
-              <a:buFont typeface="Arial" panose="020B0604020202020204" pitchFamily="34" charset="0"/>
-              <a:buChar char="•"/>
-              <a:defRPr sz="1800" kern="1200">
-                <a:solidFill>
-                  <a:schemeClr val="tx1"/>
-                </a:solidFill>
-                <a:latin typeface="+mn-lt"/>
-                <a:ea typeface="+mn-ea"/>
-                <a:cs typeface="+mn-cs"/>
-              </a:defRPr>
-            </a:lvl7pPr>
-            <a:lvl8pPr marL="3429000" indent="-228600" algn="l" defTabSz="914400" rtl="0" eaLnBrk="1" latinLnBrk="0" hangingPunct="1">
-              <a:lnSpc>
-                <a:spcPct val="90000"/>
-              </a:lnSpc>
-              <a:spcBef>
-                <a:spcPts val="500"/>
-              </a:spcBef>
-              <a:buFont typeface="Arial" panose="020B0604020202020204" pitchFamily="34" charset="0"/>
-              <a:buChar char="•"/>
-              <a:defRPr sz="1800" kern="1200">
-                <a:solidFill>
-                  <a:schemeClr val="tx1"/>
-                </a:solidFill>
-                <a:latin typeface="+mn-lt"/>
-                <a:ea typeface="+mn-ea"/>
-                <a:cs typeface="+mn-cs"/>
-              </a:defRPr>
-            </a:lvl8pPr>
-            <a:lvl9pPr marL="3886200" indent="-228600" algn="l" defTabSz="914400" rtl="0" eaLnBrk="1" latinLnBrk="0" hangingPunct="1">
-              <a:lnSpc>
-                <a:spcPct val="90000"/>
-              </a:lnSpc>
-              <a:spcBef>
-                <a:spcPts val="500"/>
-              </a:spcBef>
-              <a:buFont typeface="Arial" panose="020B0604020202020204" pitchFamily="34" charset="0"/>
-              <a:buChar char="•"/>
-              <a:defRPr sz="1800" kern="1200">
-                <a:solidFill>
-                  <a:schemeClr val="tx1"/>
-                </a:solidFill>
-                <a:latin typeface="+mn-lt"/>
-                <a:ea typeface="+mn-ea"/>
-                <a:cs typeface="+mn-cs"/>
-              </a:defRPr>
-            </a:lvl9pPr>
-          </a:lstStyle>
-          <a:p>
-            <a:r>
-              <a:rPr lang="en-US" dirty="0"/>
-              <a:t>Fourier transform of circles</a:t>
-            </a:r>
-          </a:p>
-          <a:p>
-            <a:endParaRPr lang="en-US" dirty="0"/>
-          </a:p>
-          <a:p>
-            <a:endParaRPr lang="en-US" dirty="0"/>
-          </a:p>
-          <a:p>
-            <a:endParaRPr lang="en-US" dirty="0"/>
-          </a:p>
-          <a:p>
-            <a:endParaRPr lang="en-US" dirty="0"/>
-          </a:p>
-          <a:p>
-            <a:endParaRPr lang="en-US" dirty="0"/>
-          </a:p>
-          <a:p>
-            <a:r>
-              <a:rPr lang="en-US" dirty="0"/>
-              <a:t>The Fourier transform of a circle are concentric circles. The larger the radius of the circle, the smaller the Fourier transform.</a:t>
+              <a:t>ROTATION PROPERTIES OF FT</a:t>
             </a:r>
           </a:p>
         </p:txBody>
@@ -4366,7 +4726,7 @@
             </a:r>
             <a:r>
               <a:rPr lang="en-US" sz="1200" dirty="0">
-                <a:hlinkClick r:id="rId12"/>
+                <a:hlinkClick r:id="rId2"/>
               </a:rPr>
               <a:t>https://github.com/genvert/AP_157_FX-2_Vertudez/tree/main/Activity%202%20Part%202</a:t>
             </a:r>
@@ -4409,7 +4769,7 @@
           <p:cNvPr id="2" name="Title 1">
             <a:extLst>
               <a:ext uri="{FF2B5EF4-FFF2-40B4-BE49-F238E27FC236}">
-                <a16:creationId xmlns:a16="http://schemas.microsoft.com/office/drawing/2014/main" id="{AB82B341-BE7F-4696-B028-9898BAB7EDA5}"/>
+                <a16:creationId xmlns:a16="http://schemas.microsoft.com/office/drawing/2014/main" id="{B879770E-AA88-4C98-93CD-7717F58CD419}"/>
               </a:ext>
             </a:extLst>
           </p:cNvPr>
@@ -4434,300 +4794,10 @@
       </p:sp>
       <p:sp>
         <p:nvSpPr>
-          <p:cNvPr id="3" name="Content Placeholder 2">
-            <a:extLst>
-              <a:ext uri="{FF2B5EF4-FFF2-40B4-BE49-F238E27FC236}">
-                <a16:creationId xmlns:a16="http://schemas.microsoft.com/office/drawing/2014/main" id="{5F7845CA-C30E-4A80-A1FD-B35B66921674}"/>
-              </a:ext>
-            </a:extLst>
-          </p:cNvPr>
-          <p:cNvSpPr>
-            <a:spLocks noGrp="1"/>
-          </p:cNvSpPr>
-          <p:nvPr>
-            <p:ph idx="1"/>
-          </p:nvPr>
-        </p:nvSpPr>
-        <p:spPr>
-          <a:xfrm>
-            <a:off x="901897" y="1397786"/>
-            <a:ext cx="10515600" cy="5460214"/>
-          </a:xfrm>
-        </p:spPr>
-        <p:txBody>
-          <a:bodyPr>
-            <a:normAutofit fontScale="77500" lnSpcReduction="20000"/>
-          </a:bodyPr>
-          <a:lstStyle/>
-          <a:p>
-            <a:r>
-              <a:rPr lang="en-US" dirty="0"/>
-              <a:t>Fourier transform of sinusoids</a:t>
-            </a:r>
-          </a:p>
-          <a:p>
-            <a:endParaRPr lang="en-US" dirty="0"/>
-          </a:p>
-          <a:p>
-            <a:endParaRPr lang="en-US" dirty="0"/>
-          </a:p>
-          <a:p>
-            <a:endParaRPr lang="en-US" dirty="0"/>
-          </a:p>
-          <a:p>
-            <a:endParaRPr lang="en-US" dirty="0"/>
-          </a:p>
-          <a:p>
-            <a:endParaRPr lang="en-US" dirty="0"/>
-          </a:p>
-          <a:p>
-            <a:endParaRPr lang="en-US" dirty="0"/>
-          </a:p>
-          <a:p>
-            <a:endParaRPr lang="en-US" dirty="0"/>
-          </a:p>
-          <a:p>
-            <a:endParaRPr lang="en-US" dirty="0"/>
-          </a:p>
-          <a:p>
-            <a:endParaRPr lang="en-US" dirty="0"/>
-          </a:p>
-          <a:p>
-            <a:endParaRPr lang="en-US" dirty="0"/>
-          </a:p>
-          <a:p>
-            <a:endParaRPr lang="en-US" dirty="0"/>
-          </a:p>
-          <a:p>
-            <a:r>
-              <a:rPr lang="en-US" dirty="0"/>
-              <a:t>The Fourier transform of a sinusoid are two points, which correspond to two Dirac deltas. The frequency is directly proportional to the separation distance of the points.</a:t>
-            </a:r>
-          </a:p>
-        </p:txBody>
-      </p:sp>
-      <p:pic>
-        <p:nvPicPr>
-          <p:cNvPr id="4" name="Picture 3">
-            <a:extLst>
-              <a:ext uri="{FF2B5EF4-FFF2-40B4-BE49-F238E27FC236}">
-                <a16:creationId xmlns:a16="http://schemas.microsoft.com/office/drawing/2014/main" id="{C35BF8D5-30FB-4BCE-915F-1F84BBC4E61C}"/>
-              </a:ext>
-            </a:extLst>
-          </p:cNvPr>
-          <p:cNvPicPr>
-            <a:picLocks noChangeAspect="1"/>
-          </p:cNvPicPr>
-          <p:nvPr/>
-        </p:nvPicPr>
-        <p:blipFill>
-          <a:blip r:embed="rId2">
-            <a:extLst>
-              <a:ext uri="{28A0092B-C50C-407E-A947-70E740481C1C}">
-                <a14:useLocalDpi xmlns:a14="http://schemas.microsoft.com/office/drawing/2010/main" val="0"/>
-              </a:ext>
-            </a:extLst>
-          </a:blip>
-          <a:stretch>
-            <a:fillRect/>
-          </a:stretch>
-        </p:blipFill>
-        <p:spPr>
-          <a:xfrm>
-            <a:off x="3041646" y="1910453"/>
-            <a:ext cx="1721619" cy="1721619"/>
-          </a:xfrm>
-          <a:prstGeom prst="rect">
-            <a:avLst/>
-          </a:prstGeom>
-        </p:spPr>
-      </p:pic>
-      <p:pic>
-        <p:nvPicPr>
-          <p:cNvPr id="5" name="Picture 4">
-            <a:extLst>
-              <a:ext uri="{FF2B5EF4-FFF2-40B4-BE49-F238E27FC236}">
-                <a16:creationId xmlns:a16="http://schemas.microsoft.com/office/drawing/2014/main" id="{F408E8CC-7498-4620-A780-CC385ED12F60}"/>
-              </a:ext>
-            </a:extLst>
-          </p:cNvPr>
-          <p:cNvPicPr>
-            <a:picLocks noChangeAspect="1"/>
-          </p:cNvPicPr>
-          <p:nvPr/>
-        </p:nvPicPr>
-        <p:blipFill>
-          <a:blip r:embed="rId3">
-            <a:extLst>
-              <a:ext uri="{28A0092B-C50C-407E-A947-70E740481C1C}">
-                <a14:useLocalDpi xmlns:a14="http://schemas.microsoft.com/office/drawing/2010/main" val="0"/>
-              </a:ext>
-            </a:extLst>
-          </a:blip>
-          <a:stretch>
-            <a:fillRect/>
-          </a:stretch>
-        </p:blipFill>
-        <p:spPr>
-          <a:xfrm>
-            <a:off x="5196751" y="1910453"/>
-            <a:ext cx="1721619" cy="1721619"/>
-          </a:xfrm>
-          <a:prstGeom prst="rect">
-            <a:avLst/>
-          </a:prstGeom>
-        </p:spPr>
-      </p:pic>
-      <p:pic>
-        <p:nvPicPr>
-          <p:cNvPr id="6" name="Picture 5">
-            <a:extLst>
-              <a:ext uri="{FF2B5EF4-FFF2-40B4-BE49-F238E27FC236}">
-                <a16:creationId xmlns:a16="http://schemas.microsoft.com/office/drawing/2014/main" id="{9748CCEC-7544-4943-A28C-BC8B98197327}"/>
-              </a:ext>
-            </a:extLst>
-          </p:cNvPr>
-          <p:cNvPicPr>
-            <a:picLocks noChangeAspect="1"/>
-          </p:cNvPicPr>
-          <p:nvPr/>
-        </p:nvPicPr>
-        <p:blipFill>
-          <a:blip r:embed="rId4">
-            <a:extLst>
-              <a:ext uri="{28A0092B-C50C-407E-A947-70E740481C1C}">
-                <a14:useLocalDpi xmlns:a14="http://schemas.microsoft.com/office/drawing/2010/main" val="0"/>
-              </a:ext>
-            </a:extLst>
-          </a:blip>
-          <a:stretch>
-            <a:fillRect/>
-          </a:stretch>
-        </p:blipFill>
-        <p:spPr>
-          <a:xfrm>
-            <a:off x="7322935" y="1892156"/>
-            <a:ext cx="1721619" cy="1721619"/>
-          </a:xfrm>
-          <a:prstGeom prst="rect">
-            <a:avLst/>
-          </a:prstGeom>
-        </p:spPr>
-      </p:pic>
-      <p:pic>
-        <p:nvPicPr>
-          <p:cNvPr id="7" name="Picture 6">
-            <a:extLst>
-              <a:ext uri="{FF2B5EF4-FFF2-40B4-BE49-F238E27FC236}">
-                <a16:creationId xmlns:a16="http://schemas.microsoft.com/office/drawing/2014/main" id="{44AF93A2-5E87-4A99-9D05-10BBD12D23C7}"/>
-              </a:ext>
-            </a:extLst>
-          </p:cNvPr>
-          <p:cNvPicPr>
-            <a:picLocks noChangeAspect="1"/>
-          </p:cNvPicPr>
-          <p:nvPr/>
-        </p:nvPicPr>
-        <p:blipFill>
-          <a:blip r:embed="rId5">
-            <a:extLst>
-              <a:ext uri="{28A0092B-C50C-407E-A947-70E740481C1C}">
-                <a14:useLocalDpi xmlns:a14="http://schemas.microsoft.com/office/drawing/2010/main" val="0"/>
-              </a:ext>
-            </a:extLst>
-          </a:blip>
-          <a:stretch>
-            <a:fillRect/>
-          </a:stretch>
-        </p:blipFill>
-        <p:spPr>
-          <a:xfrm>
-            <a:off x="7326351" y="3914704"/>
-            <a:ext cx="1747866" cy="1747866"/>
-          </a:xfrm>
-          <a:prstGeom prst="rect">
-            <a:avLst/>
-          </a:prstGeom>
-        </p:spPr>
-      </p:pic>
-      <p:pic>
-        <p:nvPicPr>
-          <p:cNvPr id="8" name="Picture 7">
-            <a:extLst>
-              <a:ext uri="{FF2B5EF4-FFF2-40B4-BE49-F238E27FC236}">
-                <a16:creationId xmlns:a16="http://schemas.microsoft.com/office/drawing/2014/main" id="{229A7F27-66EA-442C-B626-008EB2188936}"/>
-              </a:ext>
-            </a:extLst>
-          </p:cNvPr>
-          <p:cNvPicPr>
-            <a:picLocks noChangeAspect="1"/>
-          </p:cNvPicPr>
-          <p:nvPr/>
-        </p:nvPicPr>
-        <p:blipFill>
-          <a:blip r:embed="rId6">
-            <a:extLst>
-              <a:ext uri="{28A0092B-C50C-407E-A947-70E740481C1C}">
-                <a14:useLocalDpi xmlns:a14="http://schemas.microsoft.com/office/drawing/2010/main" val="0"/>
-              </a:ext>
-            </a:extLst>
-          </a:blip>
-          <a:stretch>
-            <a:fillRect/>
-          </a:stretch>
-        </p:blipFill>
-        <p:spPr>
-          <a:xfrm>
-            <a:off x="3041647" y="3914704"/>
-            <a:ext cx="1747866" cy="1747866"/>
-          </a:xfrm>
-          <a:prstGeom prst="rect">
-            <a:avLst/>
-          </a:prstGeom>
-        </p:spPr>
-      </p:pic>
-      <p:pic>
-        <p:nvPicPr>
-          <p:cNvPr id="9" name="Picture 8">
-            <a:extLst>
-              <a:ext uri="{FF2B5EF4-FFF2-40B4-BE49-F238E27FC236}">
-                <a16:creationId xmlns:a16="http://schemas.microsoft.com/office/drawing/2014/main" id="{D71EC997-CA28-4246-A205-CC39748AE049}"/>
-              </a:ext>
-            </a:extLst>
-          </p:cNvPr>
-          <p:cNvPicPr>
-            <a:picLocks noChangeAspect="1"/>
-          </p:cNvPicPr>
-          <p:nvPr/>
-        </p:nvPicPr>
-        <p:blipFill>
-          <a:blip r:embed="rId7">
-            <a:extLst>
-              <a:ext uri="{28A0092B-C50C-407E-A947-70E740481C1C}">
-                <a14:useLocalDpi xmlns:a14="http://schemas.microsoft.com/office/drawing/2010/main" val="0"/>
-              </a:ext>
-            </a:extLst>
-          </a:blip>
-          <a:stretch>
-            <a:fillRect/>
-          </a:stretch>
-        </p:blipFill>
-        <p:spPr>
-          <a:xfrm>
-            <a:off x="5196751" y="3933001"/>
-            <a:ext cx="1747866" cy="1747866"/>
-          </a:xfrm>
-          <a:prstGeom prst="rect">
-            <a:avLst/>
-          </a:prstGeom>
-        </p:spPr>
-      </p:pic>
-      <p:sp>
-        <p:nvSpPr>
-          <p:cNvPr id="12" name="Content Placeholder 2">
-            <a:extLst>
-              <a:ext uri="{FF2B5EF4-FFF2-40B4-BE49-F238E27FC236}">
-                <a16:creationId xmlns:a16="http://schemas.microsoft.com/office/drawing/2014/main" id="{9D1E5E59-DE6F-1E33-9A99-06A5D7A0CF0D}"/>
+          <p:cNvPr id="14" name="Content Placeholder 2">
+            <a:extLst>
+              <a:ext uri="{FF2B5EF4-FFF2-40B4-BE49-F238E27FC236}">
+                <a16:creationId xmlns:a16="http://schemas.microsoft.com/office/drawing/2014/main" id="{AC2A0A29-9973-4CA2-B289-635997FFF811}"/>
               </a:ext>
             </a:extLst>
           </p:cNvPr>
@@ -4923,7 +4993,7 @@
             </a:r>
             <a:r>
               <a:rPr lang="en-US" sz="1200" dirty="0">
-                <a:hlinkClick r:id="rId8"/>
+                <a:hlinkClick r:id="rId2"/>
               </a:rPr>
               <a:t>https://github.com/genvert/AP_157_FX-2_Vertudez/tree/main/Activity%202%20Part%202</a:t>
             </a:r>
@@ -4934,7 +5004,7 @@
     </p:spTree>
     <p:extLst>
       <p:ext uri="{BB962C8B-B14F-4D97-AF65-F5344CB8AC3E}">
-        <p14:creationId xmlns:p14="http://schemas.microsoft.com/office/powerpoint/2010/main" val="1479353502"/>
+        <p14:creationId xmlns:p14="http://schemas.microsoft.com/office/powerpoint/2010/main" val="1422890813"/>
       </p:ext>
     </p:extLst>
   </p:cSld>
@@ -4966,7 +5036,7 @@
           <p:cNvPr id="2" name="Title 1">
             <a:extLst>
               <a:ext uri="{FF2B5EF4-FFF2-40B4-BE49-F238E27FC236}">
-                <a16:creationId xmlns:a16="http://schemas.microsoft.com/office/drawing/2014/main" id="{8FA38AD7-BBAE-40F1-B091-ACCFC8CC036E}"/>
+                <a16:creationId xmlns:a16="http://schemas.microsoft.com/office/drawing/2014/main" id="{B879770E-AA88-4C98-93CD-7717F58CD419}"/>
               </a:ext>
             </a:extLst>
           </p:cNvPr>
@@ -4989,272 +5059,12 @@
           </a:p>
         </p:txBody>
       </p:sp>
-      <p:pic>
-        <p:nvPicPr>
-          <p:cNvPr id="7" name="Picture 6">
-            <a:extLst>
-              <a:ext uri="{FF2B5EF4-FFF2-40B4-BE49-F238E27FC236}">
-                <a16:creationId xmlns:a16="http://schemas.microsoft.com/office/drawing/2014/main" id="{81818E06-584C-4E9A-B5EE-A687AEE714AB}"/>
-              </a:ext>
-            </a:extLst>
-          </p:cNvPr>
-          <p:cNvPicPr>
-            <a:picLocks noChangeAspect="1"/>
-          </p:cNvPicPr>
-          <p:nvPr/>
-        </p:nvPicPr>
-        <p:blipFill>
-          <a:blip r:embed="rId2">
-            <a:extLst>
-              <a:ext uri="{28A0092B-C50C-407E-A947-70E740481C1C}">
-                <a14:useLocalDpi xmlns:a14="http://schemas.microsoft.com/office/drawing/2010/main" val="0"/>
-              </a:ext>
-            </a:extLst>
-          </a:blip>
-          <a:stretch>
-            <a:fillRect/>
-          </a:stretch>
-        </p:blipFill>
-        <p:spPr>
-          <a:xfrm>
-            <a:off x="253067" y="2496527"/>
-            <a:ext cx="3315457" cy="1864945"/>
-          </a:xfrm>
-          <a:prstGeom prst="rect">
-            <a:avLst/>
-          </a:prstGeom>
-        </p:spPr>
-      </p:pic>
-      <p:pic>
-        <p:nvPicPr>
-          <p:cNvPr id="9" name="Picture 8">
-            <a:extLst>
-              <a:ext uri="{FF2B5EF4-FFF2-40B4-BE49-F238E27FC236}">
-                <a16:creationId xmlns:a16="http://schemas.microsoft.com/office/drawing/2014/main" id="{5D364A2B-70D8-45AC-B100-7AF8BE8EE809}"/>
-              </a:ext>
-            </a:extLst>
-          </p:cNvPr>
-          <p:cNvPicPr>
-            <a:picLocks noChangeAspect="1"/>
-          </p:cNvPicPr>
-          <p:nvPr/>
-        </p:nvPicPr>
-        <p:blipFill>
-          <a:blip r:embed="rId3">
-            <a:extLst>
-              <a:ext uri="{28A0092B-C50C-407E-A947-70E740481C1C}">
-                <a14:useLocalDpi xmlns:a14="http://schemas.microsoft.com/office/drawing/2010/main" val="0"/>
-              </a:ext>
-            </a:extLst>
-          </a:blip>
-          <a:stretch>
-            <a:fillRect/>
-          </a:stretch>
-        </p:blipFill>
-        <p:spPr>
-          <a:xfrm>
-            <a:off x="4438271" y="2496527"/>
-            <a:ext cx="3315457" cy="1864945"/>
-          </a:xfrm>
-          <a:prstGeom prst="rect">
-            <a:avLst/>
-          </a:prstGeom>
-        </p:spPr>
-      </p:pic>
-      <p:pic>
-        <p:nvPicPr>
-          <p:cNvPr id="11" name="Picture 10">
-            <a:extLst>
-              <a:ext uri="{FF2B5EF4-FFF2-40B4-BE49-F238E27FC236}">
-                <a16:creationId xmlns:a16="http://schemas.microsoft.com/office/drawing/2014/main" id="{B7F2AFFE-F9BA-4DA1-AC2F-F9B685FC6D89}"/>
-              </a:ext>
-            </a:extLst>
-          </p:cNvPr>
-          <p:cNvPicPr>
-            <a:picLocks noChangeAspect="1"/>
-          </p:cNvPicPr>
-          <p:nvPr/>
-        </p:nvPicPr>
-        <p:blipFill>
-          <a:blip r:embed="rId4">
-            <a:extLst>
-              <a:ext uri="{28A0092B-C50C-407E-A947-70E740481C1C}">
-                <a14:useLocalDpi xmlns:a14="http://schemas.microsoft.com/office/drawing/2010/main" val="0"/>
-              </a:ext>
-            </a:extLst>
-          </a:blip>
-          <a:stretch>
-            <a:fillRect/>
-          </a:stretch>
-        </p:blipFill>
-        <p:spPr>
-          <a:xfrm>
-            <a:off x="8623474" y="2496527"/>
-            <a:ext cx="3315457" cy="1864945"/>
-          </a:xfrm>
-          <a:prstGeom prst="rect">
-            <a:avLst/>
-          </a:prstGeom>
-        </p:spPr>
-      </p:pic>
-      <p:sp>
-        <p:nvSpPr>
-          <p:cNvPr id="4" name="Content Placeholder 3">
-            <a:extLst>
-              <a:ext uri="{FF2B5EF4-FFF2-40B4-BE49-F238E27FC236}">
-                <a16:creationId xmlns:a16="http://schemas.microsoft.com/office/drawing/2014/main" id="{59753910-9E0D-4BB6-9BE0-FCEA90567766}"/>
-              </a:ext>
-            </a:extLst>
-          </p:cNvPr>
-          <p:cNvSpPr>
-            <a:spLocks noGrp="1"/>
-          </p:cNvSpPr>
-          <p:nvPr>
-            <p:ph idx="1"/>
-          </p:nvPr>
-        </p:nvSpPr>
-        <p:spPr/>
-        <p:txBody>
-          <a:bodyPr>
-            <a:normAutofit fontScale="92500" lnSpcReduction="10000"/>
-          </a:bodyPr>
-          <a:lstStyle/>
-          <a:p>
-            <a:r>
-              <a:rPr lang="en-US" dirty="0" err="1"/>
-              <a:t>fft</a:t>
-            </a:r>
-            <a:r>
-              <a:rPr lang="en-US" dirty="0"/>
-              <a:t> of </a:t>
-            </a:r>
-            <a:r>
-              <a:rPr lang="en-US" dirty="0" err="1"/>
-              <a:t>fft</a:t>
-            </a:r>
-            <a:r>
-              <a:rPr lang="en-US" dirty="0"/>
-              <a:t> VS. </a:t>
-            </a:r>
-            <a:r>
-              <a:rPr lang="en-US" dirty="0" err="1"/>
-              <a:t>ifft</a:t>
-            </a:r>
-            <a:r>
-              <a:rPr lang="en-US" dirty="0"/>
-              <a:t> of </a:t>
-            </a:r>
-            <a:r>
-              <a:rPr lang="en-US" dirty="0" err="1"/>
-              <a:t>fft</a:t>
-            </a:r>
-            <a:endParaRPr lang="en-US" dirty="0"/>
-          </a:p>
-          <a:p>
-            <a:endParaRPr lang="en-US" dirty="0"/>
-          </a:p>
-          <a:p>
-            <a:endParaRPr lang="en-US" dirty="0"/>
-          </a:p>
-          <a:p>
-            <a:endParaRPr lang="en-US" dirty="0"/>
-          </a:p>
-          <a:p>
-            <a:endParaRPr lang="en-US" dirty="0"/>
-          </a:p>
-          <a:p>
-            <a:endParaRPr lang="en-US" dirty="0"/>
-          </a:p>
-          <a:p>
-            <a:pPr marL="0" indent="0">
-              <a:buNone/>
-            </a:pPr>
-            <a:r>
-              <a:rPr lang="en-US" dirty="0"/>
-              <a:t>Original image                               </a:t>
-            </a:r>
-            <a:r>
-              <a:rPr lang="en-US" dirty="0" err="1"/>
-              <a:t>fft</a:t>
-            </a:r>
-            <a:r>
-              <a:rPr lang="en-US" dirty="0"/>
-              <a:t> of </a:t>
-            </a:r>
-            <a:r>
-              <a:rPr lang="en-US" dirty="0" err="1"/>
-              <a:t>fft</a:t>
-            </a:r>
-            <a:r>
-              <a:rPr lang="en-US" dirty="0"/>
-              <a:t>                                       </a:t>
-            </a:r>
-            <a:r>
-              <a:rPr lang="en-US" dirty="0" err="1"/>
-              <a:t>ifft</a:t>
-            </a:r>
-            <a:r>
-              <a:rPr lang="en-US" dirty="0"/>
-              <a:t> of </a:t>
-            </a:r>
-            <a:r>
-              <a:rPr lang="en-US" dirty="0" err="1"/>
-              <a:t>fft</a:t>
-            </a:r>
-            <a:endParaRPr lang="en-US" dirty="0"/>
-          </a:p>
-          <a:p>
-            <a:r>
-              <a:rPr lang="en-US" dirty="0"/>
-              <a:t>Taking the </a:t>
-            </a:r>
-            <a:r>
-              <a:rPr lang="en-US" dirty="0" err="1"/>
-              <a:t>fft</a:t>
-            </a:r>
-            <a:r>
-              <a:rPr lang="en-US" dirty="0"/>
-              <a:t> of </a:t>
-            </a:r>
-            <a:r>
-              <a:rPr lang="en-US" dirty="0" err="1"/>
-              <a:t>fft</a:t>
-            </a:r>
-            <a:r>
-              <a:rPr lang="en-US" dirty="0"/>
-              <a:t> of an image rotates it 180 degrees.</a:t>
-            </a:r>
-          </a:p>
-          <a:p>
-            <a:r>
-              <a:rPr lang="en-US" dirty="0"/>
-              <a:t>Taking the </a:t>
-            </a:r>
-            <a:r>
-              <a:rPr lang="en-US" dirty="0" err="1"/>
-              <a:t>ifft</a:t>
-            </a:r>
-            <a:r>
-              <a:rPr lang="en-US" dirty="0"/>
-              <a:t> of </a:t>
-            </a:r>
-            <a:r>
-              <a:rPr lang="en-US" dirty="0" err="1"/>
-              <a:t>fft</a:t>
-            </a:r>
-            <a:r>
-              <a:rPr lang="en-US" dirty="0"/>
-              <a:t> returns the original image, which makes sense since they are inverse operator of each other.</a:t>
-            </a:r>
-          </a:p>
-        </p:txBody>
-      </p:sp>
-      <p:sp>
-        <p:nvSpPr>
-          <p:cNvPr id="10" name="Content Placeholder 2">
-            <a:extLst>
-              <a:ext uri="{FF2B5EF4-FFF2-40B4-BE49-F238E27FC236}">
-                <a16:creationId xmlns:a16="http://schemas.microsoft.com/office/drawing/2014/main" id="{EE9D8289-13A5-43DD-BD83-80DDDB7AD596}"/>
+      <p:sp>
+        <p:nvSpPr>
+          <p:cNvPr id="14" name="Content Placeholder 2">
+            <a:extLst>
+              <a:ext uri="{FF2B5EF4-FFF2-40B4-BE49-F238E27FC236}">
+                <a16:creationId xmlns:a16="http://schemas.microsoft.com/office/drawing/2014/main" id="{AC2A0A29-9973-4CA2-B289-635997FFF811}"/>
               </a:ext>
             </a:extLst>
           </p:cNvPr>
@@ -5450,7 +5260,7 @@
             </a:r>
             <a:r>
               <a:rPr lang="en-US" sz="1200" dirty="0">
-                <a:hlinkClick r:id="rId5"/>
+                <a:hlinkClick r:id="rId2"/>
               </a:rPr>
               <a:t>https://github.com/genvert/AP_157_FX-2_Vertudez/tree/main/Activity%202%20Part%202</a:t>
             </a:r>
@@ -5461,7 +5271,7 @@
     </p:spTree>
     <p:extLst>
       <p:ext uri="{BB962C8B-B14F-4D97-AF65-F5344CB8AC3E}">
-        <p14:creationId xmlns:p14="http://schemas.microsoft.com/office/powerpoint/2010/main" val="3064349490"/>
+        <p14:creationId xmlns:p14="http://schemas.microsoft.com/office/powerpoint/2010/main" val="2891776986"/>
       </p:ext>
     </p:extLst>
   </p:cSld>
@@ -5490,81 +5300,10 @@
       </p:grpSpPr>
       <p:sp>
         <p:nvSpPr>
-          <p:cNvPr id="16" name="Content Placeholder 3">
-            <a:extLst>
-              <a:ext uri="{FF2B5EF4-FFF2-40B4-BE49-F238E27FC236}">
-                <a16:creationId xmlns:a16="http://schemas.microsoft.com/office/drawing/2014/main" id="{72BA30A5-3852-4F09-9560-6FC7346101D6}"/>
-              </a:ext>
-            </a:extLst>
-          </p:cNvPr>
-          <p:cNvSpPr>
-            <a:spLocks noGrp="1"/>
-          </p:cNvSpPr>
-          <p:nvPr>
-            <p:ph idx="1"/>
-          </p:nvPr>
-        </p:nvSpPr>
-        <p:spPr>
-          <a:xfrm>
-            <a:off x="838200" y="1442906"/>
-            <a:ext cx="10515600" cy="5415093"/>
-          </a:xfrm>
-        </p:spPr>
-        <p:txBody>
-          <a:bodyPr>
-            <a:normAutofit fontScale="92500" lnSpcReduction="20000"/>
-          </a:bodyPr>
-          <a:lstStyle/>
-          <a:p>
-            <a:r>
-              <a:rPr lang="en-US" dirty="0"/>
-              <a:t>Convolving an image with another</a:t>
-            </a:r>
-          </a:p>
-          <a:p>
-            <a:endParaRPr lang="en-US" dirty="0"/>
-          </a:p>
-          <a:p>
-            <a:endParaRPr lang="en-US" dirty="0"/>
-          </a:p>
-          <a:p>
-            <a:endParaRPr lang="en-US" dirty="0"/>
-          </a:p>
-          <a:p>
-            <a:endParaRPr lang="en-US" dirty="0"/>
-          </a:p>
-          <a:p>
-            <a:pPr marL="0" indent="0">
-              <a:buNone/>
-            </a:pPr>
-            <a:endParaRPr lang="en-US" dirty="0"/>
-          </a:p>
-          <a:p>
-            <a:r>
-              <a:rPr lang="en-US" dirty="0"/>
-              <a:t>Convolving two functions is equal to multiplying their Fourier transforms</a:t>
-            </a:r>
-          </a:p>
-          <a:p>
-            <a:r>
-              <a:rPr lang="en-US" dirty="0"/>
-              <a:t>In this case, each pixel of the image acts as a Dirac delta function. Convolving it with different images (circles and sinusoid) essentially copies their the Fourier transform to each pixel.</a:t>
-            </a:r>
-          </a:p>
-          <a:p>
-            <a:r>
-              <a:rPr lang="en-US" dirty="0"/>
-              <a:t>From previous results, smaller circle has larger diffraction pattern as Fourier transform, which makes the NIP image blurry. Sinusoids has two points spaced from the center as Fourier transform, which makes the NIP image duplicate with space from the center.</a:t>
-            </a:r>
-          </a:p>
-        </p:txBody>
-      </p:sp>
-      <p:sp>
-        <p:nvSpPr>
           <p:cNvPr id="2" name="Title 1">
             <a:extLst>
               <a:ext uri="{FF2B5EF4-FFF2-40B4-BE49-F238E27FC236}">
-                <a16:creationId xmlns:a16="http://schemas.microsoft.com/office/drawing/2014/main" id="{8595FA24-7A53-4C7F-82C7-2528EC0FDFBF}"/>
+                <a16:creationId xmlns:a16="http://schemas.microsoft.com/office/drawing/2014/main" id="{B879770E-AA88-4C98-93CD-7717F58CD419}"/>
               </a:ext>
             </a:extLst>
           </p:cNvPr>
@@ -5587,480 +5326,12 @@
           </a:p>
         </p:txBody>
       </p:sp>
-      <p:pic>
-        <p:nvPicPr>
-          <p:cNvPr id="7" name="Picture 6">
-            <a:extLst>
-              <a:ext uri="{FF2B5EF4-FFF2-40B4-BE49-F238E27FC236}">
-                <a16:creationId xmlns:a16="http://schemas.microsoft.com/office/drawing/2014/main" id="{979D7CE6-4233-4137-A79F-BFA202E8431C}"/>
-              </a:ext>
-            </a:extLst>
-          </p:cNvPr>
-          <p:cNvPicPr>
-            <a:picLocks noChangeAspect="1"/>
-          </p:cNvPicPr>
-          <p:nvPr/>
-        </p:nvPicPr>
-        <p:blipFill>
-          <a:blip r:embed="rId2">
-            <a:extLst>
-              <a:ext uri="{28A0092B-C50C-407E-A947-70E740481C1C}">
-                <a14:useLocalDpi xmlns:a14="http://schemas.microsoft.com/office/drawing/2010/main" val="0"/>
-              </a:ext>
-            </a:extLst>
-          </a:blip>
-          <a:stretch>
-            <a:fillRect/>
-          </a:stretch>
-        </p:blipFill>
-        <p:spPr>
-          <a:xfrm>
-            <a:off x="4027199" y="1881010"/>
-            <a:ext cx="806067" cy="806067"/>
-          </a:xfrm>
-          <a:prstGeom prst="rect">
-            <a:avLst/>
-          </a:prstGeom>
-        </p:spPr>
-      </p:pic>
-      <p:pic>
-        <p:nvPicPr>
-          <p:cNvPr id="9" name="Picture 8">
-            <a:extLst>
-              <a:ext uri="{FF2B5EF4-FFF2-40B4-BE49-F238E27FC236}">
-                <a16:creationId xmlns:a16="http://schemas.microsoft.com/office/drawing/2014/main" id="{47B2493B-BA7C-4725-AE98-1818792DA862}"/>
-              </a:ext>
-            </a:extLst>
-          </p:cNvPr>
-          <p:cNvPicPr>
-            <a:picLocks noChangeAspect="1"/>
-          </p:cNvPicPr>
-          <p:nvPr/>
-        </p:nvPicPr>
-        <p:blipFill>
-          <a:blip r:embed="rId3">
-            <a:extLst>
-              <a:ext uri="{28A0092B-C50C-407E-A947-70E740481C1C}">
-                <a14:useLocalDpi xmlns:a14="http://schemas.microsoft.com/office/drawing/2010/main" val="0"/>
-              </a:ext>
-            </a:extLst>
-          </a:blip>
-          <a:stretch>
-            <a:fillRect/>
-          </a:stretch>
-        </p:blipFill>
-        <p:spPr>
-          <a:xfrm>
-            <a:off x="4963130" y="1881010"/>
-            <a:ext cx="806067" cy="806067"/>
-          </a:xfrm>
-          <a:prstGeom prst="rect">
-            <a:avLst/>
-          </a:prstGeom>
-        </p:spPr>
-      </p:pic>
-      <p:pic>
-        <p:nvPicPr>
-          <p:cNvPr id="11" name="Picture 10">
-            <a:extLst>
-              <a:ext uri="{FF2B5EF4-FFF2-40B4-BE49-F238E27FC236}">
-                <a16:creationId xmlns:a16="http://schemas.microsoft.com/office/drawing/2014/main" id="{F42AC900-0936-4EAA-8C09-91788B83C719}"/>
-              </a:ext>
-            </a:extLst>
-          </p:cNvPr>
-          <p:cNvPicPr>
-            <a:picLocks noChangeAspect="1"/>
-          </p:cNvPicPr>
-          <p:nvPr/>
-        </p:nvPicPr>
-        <p:blipFill>
-          <a:blip r:embed="rId4">
-            <a:extLst>
-              <a:ext uri="{28A0092B-C50C-407E-A947-70E740481C1C}">
-                <a14:useLocalDpi xmlns:a14="http://schemas.microsoft.com/office/drawing/2010/main" val="0"/>
-              </a:ext>
-            </a:extLst>
-          </a:blip>
-          <a:stretch>
-            <a:fillRect/>
-          </a:stretch>
-        </p:blipFill>
-        <p:spPr>
-          <a:xfrm>
-            <a:off x="5896513" y="1881010"/>
-            <a:ext cx="806067" cy="806067"/>
-          </a:xfrm>
-          <a:prstGeom prst="rect">
-            <a:avLst/>
-          </a:prstGeom>
-        </p:spPr>
-      </p:pic>
-      <p:pic>
-        <p:nvPicPr>
-          <p:cNvPr id="13" name="Picture 12">
-            <a:extLst>
-              <a:ext uri="{FF2B5EF4-FFF2-40B4-BE49-F238E27FC236}">
-                <a16:creationId xmlns:a16="http://schemas.microsoft.com/office/drawing/2014/main" id="{BFE6D607-478E-4E23-8974-ACBEE893087B}"/>
-              </a:ext>
-            </a:extLst>
-          </p:cNvPr>
-          <p:cNvPicPr>
-            <a:picLocks noChangeAspect="1"/>
-          </p:cNvPicPr>
-          <p:nvPr/>
-        </p:nvPicPr>
-        <p:blipFill>
-          <a:blip r:embed="rId5">
-            <a:extLst>
-              <a:ext uri="{28A0092B-C50C-407E-A947-70E740481C1C}">
-                <a14:useLocalDpi xmlns:a14="http://schemas.microsoft.com/office/drawing/2010/main" val="0"/>
-              </a:ext>
-            </a:extLst>
-          </a:blip>
-          <a:stretch>
-            <a:fillRect/>
-          </a:stretch>
-        </p:blipFill>
-        <p:spPr>
-          <a:xfrm>
-            <a:off x="6829731" y="1881010"/>
-            <a:ext cx="806067" cy="806067"/>
-          </a:xfrm>
-          <a:prstGeom prst="rect">
-            <a:avLst/>
-          </a:prstGeom>
-        </p:spPr>
-      </p:pic>
-      <p:pic>
-        <p:nvPicPr>
-          <p:cNvPr id="15" name="Picture 14">
-            <a:extLst>
-              <a:ext uri="{FF2B5EF4-FFF2-40B4-BE49-F238E27FC236}">
-                <a16:creationId xmlns:a16="http://schemas.microsoft.com/office/drawing/2014/main" id="{598330E4-58F6-4821-85A7-3A74255BFDB5}"/>
-              </a:ext>
-            </a:extLst>
-          </p:cNvPr>
-          <p:cNvPicPr>
-            <a:picLocks noChangeAspect="1"/>
-          </p:cNvPicPr>
-          <p:nvPr/>
-        </p:nvPicPr>
-        <p:blipFill>
-          <a:blip r:embed="rId6">
-            <a:extLst>
-              <a:ext uri="{28A0092B-C50C-407E-A947-70E740481C1C}">
-                <a14:useLocalDpi xmlns:a14="http://schemas.microsoft.com/office/drawing/2010/main" val="0"/>
-              </a:ext>
-            </a:extLst>
-          </a:blip>
-          <a:stretch>
-            <a:fillRect/>
-          </a:stretch>
-        </p:blipFill>
-        <p:spPr>
-          <a:xfrm>
-            <a:off x="7762950" y="1881010"/>
-            <a:ext cx="806067" cy="806067"/>
-          </a:xfrm>
-          <a:prstGeom prst="rect">
-            <a:avLst/>
-          </a:prstGeom>
-        </p:spPr>
-      </p:pic>
-      <p:pic>
-        <p:nvPicPr>
-          <p:cNvPr id="17" name="Picture 16">
-            <a:extLst>
-              <a:ext uri="{FF2B5EF4-FFF2-40B4-BE49-F238E27FC236}">
-                <a16:creationId xmlns:a16="http://schemas.microsoft.com/office/drawing/2014/main" id="{2EA00816-B70D-41B9-8A3E-8918DE855ED0}"/>
-              </a:ext>
-            </a:extLst>
-          </p:cNvPr>
-          <p:cNvPicPr>
-            <a:picLocks noChangeAspect="1"/>
-          </p:cNvPicPr>
-          <p:nvPr/>
-        </p:nvPicPr>
-        <p:blipFill>
-          <a:blip r:embed="rId7">
-            <a:extLst>
-              <a:ext uri="{28A0092B-C50C-407E-A947-70E740481C1C}">
-                <a14:useLocalDpi xmlns:a14="http://schemas.microsoft.com/office/drawing/2010/main" val="0"/>
-              </a:ext>
-            </a:extLst>
-          </a:blip>
-          <a:stretch>
-            <a:fillRect/>
-          </a:stretch>
-        </p:blipFill>
-        <p:spPr>
-          <a:xfrm>
-            <a:off x="8664427" y="1888724"/>
-            <a:ext cx="798353" cy="798353"/>
-          </a:xfrm>
-          <a:prstGeom prst="rect">
-            <a:avLst/>
-          </a:prstGeom>
-        </p:spPr>
-      </p:pic>
-      <p:pic>
-        <p:nvPicPr>
-          <p:cNvPr id="29" name="Picture 28">
-            <a:extLst>
-              <a:ext uri="{FF2B5EF4-FFF2-40B4-BE49-F238E27FC236}">
-                <a16:creationId xmlns:a16="http://schemas.microsoft.com/office/drawing/2014/main" id="{3D32E4FE-6880-498D-9EB1-332BB5A4AB9B}"/>
-              </a:ext>
-            </a:extLst>
-          </p:cNvPr>
-          <p:cNvPicPr>
-            <a:picLocks noChangeAspect="1"/>
-          </p:cNvPicPr>
-          <p:nvPr/>
-        </p:nvPicPr>
-        <p:blipFill>
-          <a:blip r:embed="rId8">
-            <a:extLst>
-              <a:ext uri="{28A0092B-C50C-407E-A947-70E740481C1C}">
-                <a14:useLocalDpi xmlns:a14="http://schemas.microsoft.com/office/drawing/2010/main" val="0"/>
-              </a:ext>
-            </a:extLst>
-          </a:blip>
-          <a:stretch>
-            <a:fillRect/>
-          </a:stretch>
-        </p:blipFill>
-        <p:spPr>
-          <a:xfrm>
-            <a:off x="4021687" y="2847340"/>
-            <a:ext cx="806066" cy="806066"/>
-          </a:xfrm>
-          <a:prstGeom prst="rect">
-            <a:avLst/>
-          </a:prstGeom>
-        </p:spPr>
-      </p:pic>
-      <p:pic>
-        <p:nvPicPr>
-          <p:cNvPr id="31" name="Picture 30">
-            <a:extLst>
-              <a:ext uri="{FF2B5EF4-FFF2-40B4-BE49-F238E27FC236}">
-                <a16:creationId xmlns:a16="http://schemas.microsoft.com/office/drawing/2014/main" id="{C94BF3DE-64D8-4905-AB65-0CB29F047E63}"/>
-              </a:ext>
-            </a:extLst>
-          </p:cNvPr>
-          <p:cNvPicPr>
-            <a:picLocks noChangeAspect="1"/>
-          </p:cNvPicPr>
-          <p:nvPr/>
-        </p:nvPicPr>
-        <p:blipFill>
-          <a:blip r:embed="rId9">
-            <a:extLst>
-              <a:ext uri="{28A0092B-C50C-407E-A947-70E740481C1C}">
-                <a14:useLocalDpi xmlns:a14="http://schemas.microsoft.com/office/drawing/2010/main" val="0"/>
-              </a:ext>
-            </a:extLst>
-          </a:blip>
-          <a:stretch>
-            <a:fillRect/>
-          </a:stretch>
-        </p:blipFill>
-        <p:spPr>
-          <a:xfrm>
-            <a:off x="4967796" y="2854331"/>
-            <a:ext cx="790128" cy="790128"/>
-          </a:xfrm>
-          <a:prstGeom prst="rect">
-            <a:avLst/>
-          </a:prstGeom>
-        </p:spPr>
-      </p:pic>
-      <p:pic>
-        <p:nvPicPr>
-          <p:cNvPr id="33" name="Picture 32">
-            <a:extLst>
-              <a:ext uri="{FF2B5EF4-FFF2-40B4-BE49-F238E27FC236}">
-                <a16:creationId xmlns:a16="http://schemas.microsoft.com/office/drawing/2014/main" id="{91E92344-9258-482C-B6C3-53DE41CE45B2}"/>
-              </a:ext>
-            </a:extLst>
-          </p:cNvPr>
-          <p:cNvPicPr>
-            <a:picLocks noChangeAspect="1"/>
-          </p:cNvPicPr>
-          <p:nvPr/>
-        </p:nvPicPr>
-        <p:blipFill>
-          <a:blip r:embed="rId10">
-            <a:extLst>
-              <a:ext uri="{28A0092B-C50C-407E-A947-70E740481C1C}">
-                <a14:useLocalDpi xmlns:a14="http://schemas.microsoft.com/office/drawing/2010/main" val="0"/>
-              </a:ext>
-            </a:extLst>
-          </a:blip>
-          <a:stretch>
-            <a:fillRect/>
-          </a:stretch>
-        </p:blipFill>
-        <p:spPr>
-          <a:xfrm>
-            <a:off x="5896512" y="2846664"/>
-            <a:ext cx="798353" cy="798353"/>
-          </a:xfrm>
-          <a:prstGeom prst="rect">
-            <a:avLst/>
-          </a:prstGeom>
-        </p:spPr>
-      </p:pic>
-      <p:pic>
-        <p:nvPicPr>
-          <p:cNvPr id="35" name="Picture 34">
-            <a:extLst>
-              <a:ext uri="{FF2B5EF4-FFF2-40B4-BE49-F238E27FC236}">
-                <a16:creationId xmlns:a16="http://schemas.microsoft.com/office/drawing/2014/main" id="{1CF8EE05-2C78-4D52-8A41-AB72C195E3E5}"/>
-              </a:ext>
-            </a:extLst>
-          </p:cNvPr>
-          <p:cNvPicPr>
-            <a:picLocks noChangeAspect="1"/>
-          </p:cNvPicPr>
-          <p:nvPr/>
-        </p:nvPicPr>
-        <p:blipFill>
-          <a:blip r:embed="rId11">
-            <a:extLst>
-              <a:ext uri="{28A0092B-C50C-407E-A947-70E740481C1C}">
-                <a14:useLocalDpi xmlns:a14="http://schemas.microsoft.com/office/drawing/2010/main" val="0"/>
-              </a:ext>
-            </a:extLst>
-          </a:blip>
-          <a:stretch>
-            <a:fillRect/>
-          </a:stretch>
-        </p:blipFill>
-        <p:spPr>
-          <a:xfrm>
-            <a:off x="6829730" y="2846663"/>
-            <a:ext cx="798353" cy="798353"/>
-          </a:xfrm>
-          <a:prstGeom prst="rect">
-            <a:avLst/>
-          </a:prstGeom>
-        </p:spPr>
-      </p:pic>
-      <p:pic>
-        <p:nvPicPr>
-          <p:cNvPr id="37" name="Picture 36">
-            <a:extLst>
-              <a:ext uri="{FF2B5EF4-FFF2-40B4-BE49-F238E27FC236}">
-                <a16:creationId xmlns:a16="http://schemas.microsoft.com/office/drawing/2014/main" id="{C60FA96F-EEFC-4DD8-8E66-F87CFFEAE345}"/>
-              </a:ext>
-            </a:extLst>
-          </p:cNvPr>
-          <p:cNvPicPr>
-            <a:picLocks noChangeAspect="1"/>
-          </p:cNvPicPr>
-          <p:nvPr/>
-        </p:nvPicPr>
-        <p:blipFill>
-          <a:blip r:embed="rId12">
-            <a:extLst>
-              <a:ext uri="{28A0092B-C50C-407E-A947-70E740481C1C}">
-                <a14:useLocalDpi xmlns:a14="http://schemas.microsoft.com/office/drawing/2010/main" val="0"/>
-              </a:ext>
-            </a:extLst>
-          </a:blip>
-          <a:stretch>
-            <a:fillRect/>
-          </a:stretch>
-        </p:blipFill>
-        <p:spPr>
-          <a:xfrm>
-            <a:off x="7762949" y="2855052"/>
-            <a:ext cx="798353" cy="798353"/>
-          </a:xfrm>
-          <a:prstGeom prst="rect">
-            <a:avLst/>
-          </a:prstGeom>
-        </p:spPr>
-      </p:pic>
-      <p:pic>
-        <p:nvPicPr>
-          <p:cNvPr id="39" name="Picture 38">
-            <a:extLst>
-              <a:ext uri="{FF2B5EF4-FFF2-40B4-BE49-F238E27FC236}">
-                <a16:creationId xmlns:a16="http://schemas.microsoft.com/office/drawing/2014/main" id="{AA93CDA4-FC05-461E-8219-ED29BC14430A}"/>
-              </a:ext>
-            </a:extLst>
-          </p:cNvPr>
-          <p:cNvPicPr>
-            <a:picLocks noChangeAspect="1"/>
-          </p:cNvPicPr>
-          <p:nvPr/>
-        </p:nvPicPr>
-        <p:blipFill>
-          <a:blip r:embed="rId13">
-            <a:extLst>
-              <a:ext uri="{28A0092B-C50C-407E-A947-70E740481C1C}">
-                <a14:useLocalDpi xmlns:a14="http://schemas.microsoft.com/office/drawing/2010/main" val="0"/>
-              </a:ext>
-            </a:extLst>
-          </a:blip>
-          <a:stretch>
-            <a:fillRect/>
-          </a:stretch>
-        </p:blipFill>
-        <p:spPr>
-          <a:xfrm>
-            <a:off x="8664427" y="2855051"/>
-            <a:ext cx="798353" cy="798353"/>
-          </a:xfrm>
-          <a:prstGeom prst="rect">
-            <a:avLst/>
-          </a:prstGeom>
-        </p:spPr>
-      </p:pic>
-      <p:pic>
-        <p:nvPicPr>
-          <p:cNvPr id="47" name="Picture 46">
-            <a:extLst>
-              <a:ext uri="{FF2B5EF4-FFF2-40B4-BE49-F238E27FC236}">
-                <a16:creationId xmlns:a16="http://schemas.microsoft.com/office/drawing/2014/main" id="{558D8B1D-4B79-4EE2-B119-C70FD6334759}"/>
-              </a:ext>
-            </a:extLst>
-          </p:cNvPr>
-          <p:cNvPicPr>
-            <a:picLocks noChangeAspect="1"/>
-          </p:cNvPicPr>
-          <p:nvPr/>
-        </p:nvPicPr>
-        <p:blipFill>
-          <a:blip r:embed="rId14">
-            <a:extLst>
-              <a:ext uri="{28A0092B-C50C-407E-A947-70E740481C1C}">
-                <a14:useLocalDpi xmlns:a14="http://schemas.microsoft.com/office/drawing/2010/main" val="0"/>
-              </a:ext>
-            </a:extLst>
-          </a:blip>
-          <a:stretch>
-            <a:fillRect/>
-          </a:stretch>
-        </p:blipFill>
-        <p:spPr>
-          <a:xfrm>
-            <a:off x="1578729" y="1793109"/>
-            <a:ext cx="1950720" cy="1950720"/>
-          </a:xfrm>
-          <a:prstGeom prst="rect">
-            <a:avLst/>
-          </a:prstGeom>
-        </p:spPr>
-      </p:pic>
-      <p:sp>
-        <p:nvSpPr>
-          <p:cNvPr id="19" name="Content Placeholder 2">
-            <a:extLst>
-              <a:ext uri="{FF2B5EF4-FFF2-40B4-BE49-F238E27FC236}">
-                <a16:creationId xmlns:a16="http://schemas.microsoft.com/office/drawing/2014/main" id="{F145BA77-D68A-4931-9C24-E8002BD97E3C}"/>
+      <p:sp>
+        <p:nvSpPr>
+          <p:cNvPr id="14" name="Content Placeholder 2">
+            <a:extLst>
+              <a:ext uri="{FF2B5EF4-FFF2-40B4-BE49-F238E27FC236}">
+                <a16:creationId xmlns:a16="http://schemas.microsoft.com/office/drawing/2014/main" id="{AC2A0A29-9973-4CA2-B289-635997FFF811}"/>
               </a:ext>
             </a:extLst>
           </p:cNvPr>
@@ -6256,7 +5527,7 @@
             </a:r>
             <a:r>
               <a:rPr lang="en-US" sz="1200" dirty="0">
-                <a:hlinkClick r:id="rId15"/>
+                <a:hlinkClick r:id="rId2"/>
               </a:rPr>
               <a:t>https://github.com/genvert/AP_157_FX-2_Vertudez/tree/main/Activity%202%20Part%202</a:t>
             </a:r>
@@ -6267,7 +5538,7 @@
     </p:spTree>
     <p:extLst>
       <p:ext uri="{BB962C8B-B14F-4D97-AF65-F5344CB8AC3E}">
-        <p14:creationId xmlns:p14="http://schemas.microsoft.com/office/powerpoint/2010/main" val="920491423"/>
+        <p14:creationId xmlns:p14="http://schemas.microsoft.com/office/powerpoint/2010/main" val="2838036613"/>
       </p:ext>
     </p:extLst>
   </p:cSld>
@@ -6296,84 +5567,10 @@
       </p:grpSpPr>
       <p:sp>
         <p:nvSpPr>
-          <p:cNvPr id="12" name="Content Placeholder 2">
-            <a:extLst>
-              <a:ext uri="{FF2B5EF4-FFF2-40B4-BE49-F238E27FC236}">
-                <a16:creationId xmlns:a16="http://schemas.microsoft.com/office/drawing/2014/main" id="{47BF6A45-34D1-4D58-AE6A-5F5C5DFF84F9}"/>
-              </a:ext>
-            </a:extLst>
-          </p:cNvPr>
-          <p:cNvSpPr>
-            <a:spLocks noGrp="1"/>
-          </p:cNvSpPr>
-          <p:nvPr>
-            <p:ph idx="1"/>
-          </p:nvPr>
-        </p:nvSpPr>
-        <p:spPr>
-          <a:xfrm>
-            <a:off x="838200" y="1690688"/>
-            <a:ext cx="10515600" cy="5104395"/>
-          </a:xfrm>
-        </p:spPr>
-        <p:txBody>
-          <a:bodyPr>
-            <a:normAutofit fontScale="85000" lnSpcReduction="20000"/>
-          </a:bodyPr>
-          <a:lstStyle/>
-          <a:p>
-            <a:r>
-              <a:rPr lang="en-US" dirty="0"/>
-              <a:t>Correlating an image with another</a:t>
-            </a:r>
-          </a:p>
-          <a:p>
-            <a:endParaRPr lang="en-US" dirty="0"/>
-          </a:p>
-          <a:p>
-            <a:endParaRPr lang="en-US" dirty="0"/>
-          </a:p>
-          <a:p>
-            <a:endParaRPr lang="en-US" dirty="0"/>
-          </a:p>
-          <a:p>
-            <a:endParaRPr lang="en-US" dirty="0"/>
-          </a:p>
-          <a:p>
-            <a:endParaRPr lang="en-US" dirty="0"/>
-          </a:p>
-          <a:p>
-            <a:endParaRPr lang="en-US" dirty="0"/>
-          </a:p>
-          <a:p>
-            <a:endParaRPr lang="en-US" dirty="0"/>
-          </a:p>
-          <a:p>
-            <a:r>
-              <a:rPr lang="en-US" dirty="0"/>
-              <a:t>Correlating two functions is equal to multiplying their Fourier transforms, but this time the other is complex conjugate.</a:t>
-            </a:r>
-          </a:p>
-          <a:p>
-            <a:r>
-              <a:rPr lang="en-US" dirty="0"/>
-              <a:t>Correlation measures the degree of similarity of the functions</a:t>
-            </a:r>
-          </a:p>
-          <a:p>
-            <a:r>
-              <a:rPr lang="en-US" dirty="0"/>
-              <a:t>The results make sense since when the phrase was correlated with a letter, the result show the points where the functions (in this case images) are similar</a:t>
-            </a:r>
-          </a:p>
-        </p:txBody>
-      </p:sp>
-      <p:sp>
-        <p:nvSpPr>
           <p:cNvPr id="2" name="Title 1">
             <a:extLst>
               <a:ext uri="{FF2B5EF4-FFF2-40B4-BE49-F238E27FC236}">
-                <a16:creationId xmlns:a16="http://schemas.microsoft.com/office/drawing/2014/main" id="{42C18DE4-63F1-40AC-99AB-4101724DFB96}"/>
+                <a16:creationId xmlns:a16="http://schemas.microsoft.com/office/drawing/2014/main" id="{B879770E-AA88-4C98-93CD-7717F58CD419}"/>
               </a:ext>
             </a:extLst>
           </p:cNvPr>
@@ -6396,192 +5593,12 @@
           </a:p>
         </p:txBody>
       </p:sp>
-      <p:pic>
-        <p:nvPicPr>
-          <p:cNvPr id="4" name="Picture 3">
-            <a:extLst>
-              <a:ext uri="{FF2B5EF4-FFF2-40B4-BE49-F238E27FC236}">
-                <a16:creationId xmlns:a16="http://schemas.microsoft.com/office/drawing/2014/main" id="{CF4B0B37-BC58-41A9-98A8-D1357680548A}"/>
-              </a:ext>
-            </a:extLst>
-          </p:cNvPr>
-          <p:cNvPicPr>
-            <a:picLocks noChangeAspect="1"/>
-          </p:cNvPicPr>
-          <p:nvPr/>
-        </p:nvPicPr>
-        <p:blipFill>
-          <a:blip r:embed="rId2">
-            <a:extLst>
-              <a:ext uri="{28A0092B-C50C-407E-A947-70E740481C1C}">
-                <a14:useLocalDpi xmlns:a14="http://schemas.microsoft.com/office/drawing/2010/main" val="0"/>
-              </a:ext>
-            </a:extLst>
-          </a:blip>
-          <a:stretch>
-            <a:fillRect/>
-          </a:stretch>
-        </p:blipFill>
-        <p:spPr>
-          <a:xfrm>
-            <a:off x="5170415" y="2073401"/>
-            <a:ext cx="1235226" cy="1235226"/>
-          </a:xfrm>
-          <a:prstGeom prst="rect">
-            <a:avLst/>
-          </a:prstGeom>
-        </p:spPr>
-      </p:pic>
-      <p:pic>
-        <p:nvPicPr>
-          <p:cNvPr id="5" name="Picture 4">
-            <a:extLst>
-              <a:ext uri="{FF2B5EF4-FFF2-40B4-BE49-F238E27FC236}">
-                <a16:creationId xmlns:a16="http://schemas.microsoft.com/office/drawing/2014/main" id="{77BFA542-B81B-42EF-BDEC-AD87F17BB7CF}"/>
-              </a:ext>
-            </a:extLst>
-          </p:cNvPr>
-          <p:cNvPicPr>
-            <a:picLocks noChangeAspect="1"/>
-          </p:cNvPicPr>
-          <p:nvPr/>
-        </p:nvPicPr>
-        <p:blipFill>
-          <a:blip r:embed="rId3">
-            <a:extLst>
-              <a:ext uri="{28A0092B-C50C-407E-A947-70E740481C1C}">
-                <a14:useLocalDpi xmlns:a14="http://schemas.microsoft.com/office/drawing/2010/main" val="0"/>
-              </a:ext>
-            </a:extLst>
-          </a:blip>
-          <a:stretch>
-            <a:fillRect/>
-          </a:stretch>
-        </p:blipFill>
-        <p:spPr>
-          <a:xfrm>
-            <a:off x="5170415" y="3443564"/>
-            <a:ext cx="1235226" cy="1235226"/>
-          </a:xfrm>
-          <a:prstGeom prst="rect">
-            <a:avLst/>
-          </a:prstGeom>
-        </p:spPr>
-      </p:pic>
-      <p:pic>
-        <p:nvPicPr>
-          <p:cNvPr id="6" name="Content Placeholder 4">
-            <a:extLst>
-              <a:ext uri="{FF2B5EF4-FFF2-40B4-BE49-F238E27FC236}">
-                <a16:creationId xmlns:a16="http://schemas.microsoft.com/office/drawing/2014/main" id="{290C1360-CB66-42B5-A3C4-FB18BA850BDB}"/>
-              </a:ext>
-            </a:extLst>
-          </p:cNvPr>
-          <p:cNvPicPr>
-            <a:picLocks noChangeAspect="1"/>
-          </p:cNvPicPr>
-          <p:nvPr/>
-        </p:nvPicPr>
-        <p:blipFill>
-          <a:blip r:embed="rId4">
-            <a:extLst>
-              <a:ext uri="{28A0092B-C50C-407E-A947-70E740481C1C}">
-                <a14:useLocalDpi xmlns:a14="http://schemas.microsoft.com/office/drawing/2010/main" val="0"/>
-              </a:ext>
-            </a:extLst>
-          </a:blip>
-          <a:stretch>
-            <a:fillRect/>
-          </a:stretch>
-        </p:blipFill>
-        <p:spPr>
-          <a:xfrm>
-            <a:off x="7026426" y="2073401"/>
-            <a:ext cx="1235226" cy="1235226"/>
-          </a:xfrm>
-          <a:prstGeom prst="rect">
-            <a:avLst/>
-          </a:prstGeom>
-        </p:spPr>
-      </p:pic>
-      <p:pic>
-        <p:nvPicPr>
-          <p:cNvPr id="7" name="Picture 6">
-            <a:extLst>
-              <a:ext uri="{FF2B5EF4-FFF2-40B4-BE49-F238E27FC236}">
-                <a16:creationId xmlns:a16="http://schemas.microsoft.com/office/drawing/2014/main" id="{8B0E0119-40A4-4CA1-95FB-0C90F44E58FB}"/>
-              </a:ext>
-            </a:extLst>
-          </p:cNvPr>
-          <p:cNvPicPr>
-            <a:picLocks noChangeAspect="1"/>
-          </p:cNvPicPr>
-          <p:nvPr/>
-        </p:nvPicPr>
-        <p:blipFill>
-          <a:blip r:embed="rId5">
-            <a:extLst>
-              <a:ext uri="{28A0092B-C50C-407E-A947-70E740481C1C}">
-                <a14:useLocalDpi xmlns:a14="http://schemas.microsoft.com/office/drawing/2010/main" val="0"/>
-              </a:ext>
-            </a:extLst>
-          </a:blip>
-          <a:stretch>
-            <a:fillRect/>
-          </a:stretch>
-        </p:blipFill>
-        <p:spPr>
-          <a:xfrm>
-            <a:off x="7026426" y="3510676"/>
-            <a:ext cx="1235226" cy="1235226"/>
-          </a:xfrm>
-          <a:prstGeom prst="rect">
-            <a:avLst/>
-          </a:prstGeom>
-        </p:spPr>
-      </p:pic>
-      <p:pic>
-        <p:nvPicPr>
-          <p:cNvPr id="8" name="Picture 7">
-            <a:extLst>
-              <a:ext uri="{FF2B5EF4-FFF2-40B4-BE49-F238E27FC236}">
-                <a16:creationId xmlns:a16="http://schemas.microsoft.com/office/drawing/2014/main" id="{37D34CB7-D5C3-4998-B87A-11549E386F2E}"/>
-              </a:ext>
-            </a:extLst>
-          </p:cNvPr>
-          <p:cNvPicPr>
-            <a:picLocks noChangeAspect="1"/>
-          </p:cNvPicPr>
-          <p:nvPr/>
-        </p:nvPicPr>
-        <p:blipFill>
-          <a:blip r:embed="rId6">
-            <a:extLst>
-              <a:ext uri="{28A0092B-C50C-407E-A947-70E740481C1C}">
-                <a14:useLocalDpi xmlns:a14="http://schemas.microsoft.com/office/drawing/2010/main" val="0"/>
-              </a:ext>
-            </a:extLst>
-          </a:blip>
-          <a:stretch>
-            <a:fillRect/>
-          </a:stretch>
-        </p:blipFill>
-        <p:spPr>
-          <a:xfrm>
-            <a:off x="3314404" y="2742254"/>
-            <a:ext cx="1235226" cy="1235226"/>
-          </a:xfrm>
-          <a:prstGeom prst="rect">
-            <a:avLst/>
-          </a:prstGeom>
-        </p:spPr>
-      </p:pic>
-      <p:sp>
-        <p:nvSpPr>
-          <p:cNvPr id="9" name="Content Placeholder 2">
-            <a:extLst>
-              <a:ext uri="{FF2B5EF4-FFF2-40B4-BE49-F238E27FC236}">
-                <a16:creationId xmlns:a16="http://schemas.microsoft.com/office/drawing/2014/main" id="{B531A90B-25E7-4424-B826-F1D69A20CDD2}"/>
+      <p:sp>
+        <p:nvSpPr>
+          <p:cNvPr id="14" name="Content Placeholder 2">
+            <a:extLst>
+              <a:ext uri="{FF2B5EF4-FFF2-40B4-BE49-F238E27FC236}">
+                <a16:creationId xmlns:a16="http://schemas.microsoft.com/office/drawing/2014/main" id="{AC2A0A29-9973-4CA2-B289-635997FFF811}"/>
               </a:ext>
             </a:extLst>
           </p:cNvPr>
@@ -6777,7 +5794,7 @@
             </a:r>
             <a:r>
               <a:rPr lang="en-US" sz="1200" dirty="0">
-                <a:hlinkClick r:id="rId7"/>
+                <a:hlinkClick r:id="rId2"/>
               </a:rPr>
               <a:t>https://github.com/genvert/AP_157_FX-2_Vertudez/tree/main/Activity%202%20Part%202</a:t>
             </a:r>
@@ -6788,7 +5805,7 @@
     </p:spTree>
     <p:extLst>
       <p:ext uri="{BB962C8B-B14F-4D97-AF65-F5344CB8AC3E}">
-        <p14:creationId xmlns:p14="http://schemas.microsoft.com/office/powerpoint/2010/main" val="3962426991"/>
+        <p14:creationId xmlns:p14="http://schemas.microsoft.com/office/powerpoint/2010/main" val="3402762591"/>
       </p:ext>
     </p:extLst>
   </p:cSld>
@@ -6820,7 +5837,7 @@
           <p:cNvPr id="2" name="Title 1">
             <a:extLst>
               <a:ext uri="{FF2B5EF4-FFF2-40B4-BE49-F238E27FC236}">
-                <a16:creationId xmlns:a16="http://schemas.microsoft.com/office/drawing/2014/main" id="{FB10E9C4-38D8-4459-800D-34EFB8965C72}"/>
+                <a16:creationId xmlns:a16="http://schemas.microsoft.com/office/drawing/2014/main" id="{B879770E-AA88-4C98-93CD-7717F58CD419}"/>
               </a:ext>
             </a:extLst>
           </p:cNvPr>
@@ -6838,61 +5855,224 @@
           <a:p>
             <a:r>
               <a:rPr lang="en-US" dirty="0"/>
-              <a:t>REFLECTION</a:t>
-            </a:r>
-          </a:p>
-        </p:txBody>
-      </p:sp>
-      <p:sp>
-        <p:nvSpPr>
-          <p:cNvPr id="3" name="Content Placeholder 2">
-            <a:extLst>
-              <a:ext uri="{FF2B5EF4-FFF2-40B4-BE49-F238E27FC236}">
-                <a16:creationId xmlns:a16="http://schemas.microsoft.com/office/drawing/2014/main" id="{D311CE1B-D3A4-475E-8BB4-E8DD00D0BF45}"/>
-              </a:ext>
-            </a:extLst>
-          </p:cNvPr>
-          <p:cNvSpPr>
-            <a:spLocks noGrp="1"/>
-          </p:cNvSpPr>
-          <p:nvPr>
-            <p:ph idx="1"/>
-          </p:nvPr>
-        </p:nvSpPr>
-        <p:spPr/>
-        <p:txBody>
-          <a:bodyPr/>
-          <a:lstStyle/>
-          <a:p>
-            <a:r>
-              <a:rPr lang="en-US" dirty="0"/>
-              <a:t>This activity was straightforward so I was able to follow it easily.</a:t>
-            </a:r>
-          </a:p>
-          <a:p>
-            <a:r>
-              <a:rPr lang="en-US" dirty="0"/>
-              <a:t>It is cool that the pixels can act as Dirac delta functions such that other images are copied to each pixel when convolved.</a:t>
-            </a:r>
-          </a:p>
-          <a:p>
-            <a:r>
-              <a:rPr lang="en-US" dirty="0"/>
-              <a:t>I managed to do it on time this time.</a:t>
-            </a:r>
-          </a:p>
-          <a:p>
-            <a:r>
-              <a:rPr lang="en-US" dirty="0"/>
-              <a:t>I give myself a 10/10.</a:t>
-            </a:r>
+              <a:t>RESULTS &amp; ANALYSIS</a:t>
+            </a:r>
+          </a:p>
+        </p:txBody>
+      </p:sp>
+      <p:sp>
+        <p:nvSpPr>
+          <p:cNvPr id="14" name="Content Placeholder 2">
+            <a:extLst>
+              <a:ext uri="{FF2B5EF4-FFF2-40B4-BE49-F238E27FC236}">
+                <a16:creationId xmlns:a16="http://schemas.microsoft.com/office/drawing/2014/main" id="{AC2A0A29-9973-4CA2-B289-635997FFF811}"/>
+              </a:ext>
+            </a:extLst>
+          </p:cNvPr>
+          <p:cNvSpPr txBox="1">
+            <a:spLocks/>
+          </p:cNvSpPr>
+          <p:nvPr/>
+        </p:nvSpPr>
+        <p:spPr>
+          <a:xfrm>
+            <a:off x="0" y="6610525"/>
+            <a:ext cx="12192000" cy="247475"/>
+          </a:xfrm>
+          <a:prstGeom prst="rect">
+            <a:avLst/>
+          </a:prstGeom>
+        </p:spPr>
+        <p:txBody>
+          <a:bodyPr vert="horz" lIns="91440" tIns="45720" rIns="91440" bIns="45720" rtlCol="0">
+            <a:normAutofit lnSpcReduction="10000"/>
+          </a:bodyPr>
+          <a:lstStyle>
+            <a:lvl1pPr marL="228600" indent="-228600" algn="l" defTabSz="914400" rtl="0" eaLnBrk="1" latinLnBrk="0" hangingPunct="1">
+              <a:lnSpc>
+                <a:spcPct val="90000"/>
+              </a:lnSpc>
+              <a:spcBef>
+                <a:spcPts val="1000"/>
+              </a:spcBef>
+              <a:buFont typeface="Arial" panose="020B0604020202020204" pitchFamily="34" charset="0"/>
+              <a:buChar char="•"/>
+              <a:defRPr sz="2800" kern="1200">
+                <a:solidFill>
+                  <a:schemeClr val="tx1"/>
+                </a:solidFill>
+                <a:latin typeface="+mn-lt"/>
+                <a:ea typeface="+mn-ea"/>
+                <a:cs typeface="+mn-cs"/>
+              </a:defRPr>
+            </a:lvl1pPr>
+            <a:lvl2pPr marL="685800" indent="-228600" algn="l" defTabSz="914400" rtl="0" eaLnBrk="1" latinLnBrk="0" hangingPunct="1">
+              <a:lnSpc>
+                <a:spcPct val="90000"/>
+              </a:lnSpc>
+              <a:spcBef>
+                <a:spcPts val="500"/>
+              </a:spcBef>
+              <a:buFont typeface="Arial" panose="020B0604020202020204" pitchFamily="34" charset="0"/>
+              <a:buChar char="•"/>
+              <a:defRPr sz="2400" kern="1200">
+                <a:solidFill>
+                  <a:schemeClr val="tx1"/>
+                </a:solidFill>
+                <a:latin typeface="+mn-lt"/>
+                <a:ea typeface="+mn-ea"/>
+                <a:cs typeface="+mn-cs"/>
+              </a:defRPr>
+            </a:lvl2pPr>
+            <a:lvl3pPr marL="1143000" indent="-228600" algn="l" defTabSz="914400" rtl="0" eaLnBrk="1" latinLnBrk="0" hangingPunct="1">
+              <a:lnSpc>
+                <a:spcPct val="90000"/>
+              </a:lnSpc>
+              <a:spcBef>
+                <a:spcPts val="500"/>
+              </a:spcBef>
+              <a:buFont typeface="Arial" panose="020B0604020202020204" pitchFamily="34" charset="0"/>
+              <a:buChar char="•"/>
+              <a:defRPr sz="2000" kern="1200">
+                <a:solidFill>
+                  <a:schemeClr val="tx1"/>
+                </a:solidFill>
+                <a:latin typeface="+mn-lt"/>
+                <a:ea typeface="+mn-ea"/>
+                <a:cs typeface="+mn-cs"/>
+              </a:defRPr>
+            </a:lvl3pPr>
+            <a:lvl4pPr marL="1600200" indent="-228600" algn="l" defTabSz="914400" rtl="0" eaLnBrk="1" latinLnBrk="0" hangingPunct="1">
+              <a:lnSpc>
+                <a:spcPct val="90000"/>
+              </a:lnSpc>
+              <a:spcBef>
+                <a:spcPts val="500"/>
+              </a:spcBef>
+              <a:buFont typeface="Arial" panose="020B0604020202020204" pitchFamily="34" charset="0"/>
+              <a:buChar char="•"/>
+              <a:defRPr sz="1800" kern="1200">
+                <a:solidFill>
+                  <a:schemeClr val="tx1"/>
+                </a:solidFill>
+                <a:latin typeface="+mn-lt"/>
+                <a:ea typeface="+mn-ea"/>
+                <a:cs typeface="+mn-cs"/>
+              </a:defRPr>
+            </a:lvl4pPr>
+            <a:lvl5pPr marL="2057400" indent="-228600" algn="l" defTabSz="914400" rtl="0" eaLnBrk="1" latinLnBrk="0" hangingPunct="1">
+              <a:lnSpc>
+                <a:spcPct val="90000"/>
+              </a:lnSpc>
+              <a:spcBef>
+                <a:spcPts val="500"/>
+              </a:spcBef>
+              <a:buFont typeface="Arial" panose="020B0604020202020204" pitchFamily="34" charset="0"/>
+              <a:buChar char="•"/>
+              <a:defRPr sz="1800" kern="1200">
+                <a:solidFill>
+                  <a:schemeClr val="tx1"/>
+                </a:solidFill>
+                <a:latin typeface="+mn-lt"/>
+                <a:ea typeface="+mn-ea"/>
+                <a:cs typeface="+mn-cs"/>
+              </a:defRPr>
+            </a:lvl5pPr>
+            <a:lvl6pPr marL="2514600" indent="-228600" algn="l" defTabSz="914400" rtl="0" eaLnBrk="1" latinLnBrk="0" hangingPunct="1">
+              <a:lnSpc>
+                <a:spcPct val="90000"/>
+              </a:lnSpc>
+              <a:spcBef>
+                <a:spcPts val="500"/>
+              </a:spcBef>
+              <a:buFont typeface="Arial" panose="020B0604020202020204" pitchFamily="34" charset="0"/>
+              <a:buChar char="•"/>
+              <a:defRPr sz="1800" kern="1200">
+                <a:solidFill>
+                  <a:schemeClr val="tx1"/>
+                </a:solidFill>
+                <a:latin typeface="+mn-lt"/>
+                <a:ea typeface="+mn-ea"/>
+                <a:cs typeface="+mn-cs"/>
+              </a:defRPr>
+            </a:lvl6pPr>
+            <a:lvl7pPr marL="2971800" indent="-228600" algn="l" defTabSz="914400" rtl="0" eaLnBrk="1" latinLnBrk="0" hangingPunct="1">
+              <a:lnSpc>
+                <a:spcPct val="90000"/>
+              </a:lnSpc>
+              <a:spcBef>
+                <a:spcPts val="500"/>
+              </a:spcBef>
+              <a:buFont typeface="Arial" panose="020B0604020202020204" pitchFamily="34" charset="0"/>
+              <a:buChar char="•"/>
+              <a:defRPr sz="1800" kern="1200">
+                <a:solidFill>
+                  <a:schemeClr val="tx1"/>
+                </a:solidFill>
+                <a:latin typeface="+mn-lt"/>
+                <a:ea typeface="+mn-ea"/>
+                <a:cs typeface="+mn-cs"/>
+              </a:defRPr>
+            </a:lvl7pPr>
+            <a:lvl8pPr marL="3429000" indent="-228600" algn="l" defTabSz="914400" rtl="0" eaLnBrk="1" latinLnBrk="0" hangingPunct="1">
+              <a:lnSpc>
+                <a:spcPct val="90000"/>
+              </a:lnSpc>
+              <a:spcBef>
+                <a:spcPts val="500"/>
+              </a:spcBef>
+              <a:buFont typeface="Arial" panose="020B0604020202020204" pitchFamily="34" charset="0"/>
+              <a:buChar char="•"/>
+              <a:defRPr sz="1800" kern="1200">
+                <a:solidFill>
+                  <a:schemeClr val="tx1"/>
+                </a:solidFill>
+                <a:latin typeface="+mn-lt"/>
+                <a:ea typeface="+mn-ea"/>
+                <a:cs typeface="+mn-cs"/>
+              </a:defRPr>
+            </a:lvl8pPr>
+            <a:lvl9pPr marL="3886200" indent="-228600" algn="l" defTabSz="914400" rtl="0" eaLnBrk="1" latinLnBrk="0" hangingPunct="1">
+              <a:lnSpc>
+                <a:spcPct val="90000"/>
+              </a:lnSpc>
+              <a:spcBef>
+                <a:spcPts val="500"/>
+              </a:spcBef>
+              <a:buFont typeface="Arial" panose="020B0604020202020204" pitchFamily="34" charset="0"/>
+              <a:buChar char="•"/>
+              <a:defRPr sz="1800" kern="1200">
+                <a:solidFill>
+                  <a:schemeClr val="tx1"/>
+                </a:solidFill>
+                <a:latin typeface="+mn-lt"/>
+                <a:ea typeface="+mn-ea"/>
+                <a:cs typeface="+mn-cs"/>
+              </a:defRPr>
+            </a:lvl9pPr>
+          </a:lstStyle>
+          <a:p>
+            <a:pPr marL="0" indent="0">
+              <a:buNone/>
+            </a:pPr>
+            <a:r>
+              <a:rPr lang="en-US" sz="1200" dirty="0"/>
+              <a:t>Codes and files: </a:t>
+            </a:r>
+            <a:r>
+              <a:rPr lang="en-US" sz="1200" dirty="0">
+                <a:hlinkClick r:id="rId2"/>
+              </a:rPr>
+              <a:t>https://github.com/genvert/AP_157_FX-2_Vertudez/tree/main/Activity%202%20Part%202</a:t>
+            </a:r>
+            <a:endParaRPr lang="en-US" sz="1200" dirty="0"/>
           </a:p>
         </p:txBody>
       </p:sp>
     </p:spTree>
     <p:extLst>
       <p:ext uri="{BB962C8B-B14F-4D97-AF65-F5344CB8AC3E}">
-        <p14:creationId xmlns:p14="http://schemas.microsoft.com/office/powerpoint/2010/main" val="2210186110"/>
+        <p14:creationId xmlns:p14="http://schemas.microsoft.com/office/powerpoint/2010/main" val="2791753554"/>
       </p:ext>
     </p:extLst>
   </p:cSld>
@@ -6921,275 +6101,245 @@
       </p:grpSpPr>
       <p:sp>
         <p:nvSpPr>
-          <p:cNvPr id="109" name="PlaceHolder 1"/>
+          <p:cNvPr id="2" name="Title 1">
+            <a:extLst>
+              <a:ext uri="{FF2B5EF4-FFF2-40B4-BE49-F238E27FC236}">
+                <a16:creationId xmlns:a16="http://schemas.microsoft.com/office/drawing/2014/main" id="{B879770E-AA88-4C98-93CD-7717F58CD419}"/>
+              </a:ext>
+            </a:extLst>
+          </p:cNvPr>
           <p:cNvSpPr>
             <a:spLocks noGrp="1"/>
           </p:cNvSpPr>
           <p:nvPr>
             <p:ph type="title"/>
           </p:nvPr>
+        </p:nvSpPr>
+        <p:spPr/>
+        <p:txBody>
+          <a:bodyPr/>
+          <a:lstStyle/>
+          <a:p>
+            <a:r>
+              <a:rPr lang="en-US" dirty="0"/>
+              <a:t>RESULTS &amp; ANALYSIS</a:t>
+            </a:r>
+          </a:p>
+        </p:txBody>
+      </p:sp>
+      <p:sp>
+        <p:nvSpPr>
+          <p:cNvPr id="14" name="Content Placeholder 2">
+            <a:extLst>
+              <a:ext uri="{FF2B5EF4-FFF2-40B4-BE49-F238E27FC236}">
+                <a16:creationId xmlns:a16="http://schemas.microsoft.com/office/drawing/2014/main" id="{AC2A0A29-9973-4CA2-B289-635997FFF811}"/>
+              </a:ext>
+            </a:extLst>
+          </p:cNvPr>
+          <p:cNvSpPr txBox="1">
+            <a:spLocks/>
+          </p:cNvSpPr>
+          <p:nvPr/>
         </p:nvSpPr>
         <p:spPr>
           <a:xfrm>
-            <a:off x="838080" y="365040"/>
-            <a:ext cx="10515240" cy="1325160"/>
+            <a:off x="0" y="6610525"/>
+            <a:ext cx="12192000" cy="247475"/>
           </a:xfrm>
           <a:prstGeom prst="rect">
             <a:avLst/>
           </a:prstGeom>
-          <a:noFill/>
-          <a:ln w="0">
-            <a:noFill/>
-          </a:ln>
         </p:spPr>
         <p:txBody>
-          <a:bodyPr anchor="ctr">
-            <a:noAutofit/>
+          <a:bodyPr vert="horz" lIns="91440" tIns="45720" rIns="91440" bIns="45720" rtlCol="0">
+            <a:normAutofit lnSpcReduction="10000"/>
           </a:bodyPr>
-          <a:lstStyle/>
-          <a:p>
-            <a:pPr>
-              <a:lnSpc>
-                <a:spcPct val="90000"/>
-              </a:lnSpc>
+          <a:lstStyle>
+            <a:lvl1pPr marL="228600" indent="-228600" algn="l" defTabSz="914400" rtl="0" eaLnBrk="1" latinLnBrk="0" hangingPunct="1">
+              <a:lnSpc>
+                <a:spcPct val="90000"/>
+              </a:lnSpc>
+              <a:spcBef>
+                <a:spcPts val="1000"/>
+              </a:spcBef>
+              <a:buFont typeface="Arial" panose="020B0604020202020204" pitchFamily="34" charset="0"/>
+              <a:buChar char="•"/>
+              <a:defRPr sz="2800" kern="1200">
+                <a:solidFill>
+                  <a:schemeClr val="tx1"/>
+                </a:solidFill>
+                <a:latin typeface="+mn-lt"/>
+                <a:ea typeface="+mn-ea"/>
+                <a:cs typeface="+mn-cs"/>
+              </a:defRPr>
+            </a:lvl1pPr>
+            <a:lvl2pPr marL="685800" indent="-228600" algn="l" defTabSz="914400" rtl="0" eaLnBrk="1" latinLnBrk="0" hangingPunct="1">
+              <a:lnSpc>
+                <a:spcPct val="90000"/>
+              </a:lnSpc>
+              <a:spcBef>
+                <a:spcPts val="500"/>
+              </a:spcBef>
+              <a:buFont typeface="Arial" panose="020B0604020202020204" pitchFamily="34" charset="0"/>
+              <a:buChar char="•"/>
+              <a:defRPr sz="2400" kern="1200">
+                <a:solidFill>
+                  <a:schemeClr val="tx1"/>
+                </a:solidFill>
+                <a:latin typeface="+mn-lt"/>
+                <a:ea typeface="+mn-ea"/>
+                <a:cs typeface="+mn-cs"/>
+              </a:defRPr>
+            </a:lvl2pPr>
+            <a:lvl3pPr marL="1143000" indent="-228600" algn="l" defTabSz="914400" rtl="0" eaLnBrk="1" latinLnBrk="0" hangingPunct="1">
+              <a:lnSpc>
+                <a:spcPct val="90000"/>
+              </a:lnSpc>
+              <a:spcBef>
+                <a:spcPts val="500"/>
+              </a:spcBef>
+              <a:buFont typeface="Arial" panose="020B0604020202020204" pitchFamily="34" charset="0"/>
+              <a:buChar char="•"/>
+              <a:defRPr sz="2000" kern="1200">
+                <a:solidFill>
+                  <a:schemeClr val="tx1"/>
+                </a:solidFill>
+                <a:latin typeface="+mn-lt"/>
+                <a:ea typeface="+mn-ea"/>
+                <a:cs typeface="+mn-cs"/>
+              </a:defRPr>
+            </a:lvl3pPr>
+            <a:lvl4pPr marL="1600200" indent="-228600" algn="l" defTabSz="914400" rtl="0" eaLnBrk="1" latinLnBrk="0" hangingPunct="1">
+              <a:lnSpc>
+                <a:spcPct val="90000"/>
+              </a:lnSpc>
+              <a:spcBef>
+                <a:spcPts val="500"/>
+              </a:spcBef>
+              <a:buFont typeface="Arial" panose="020B0604020202020204" pitchFamily="34" charset="0"/>
+              <a:buChar char="•"/>
+              <a:defRPr sz="1800" kern="1200">
+                <a:solidFill>
+                  <a:schemeClr val="tx1"/>
+                </a:solidFill>
+                <a:latin typeface="+mn-lt"/>
+                <a:ea typeface="+mn-ea"/>
+                <a:cs typeface="+mn-cs"/>
+              </a:defRPr>
+            </a:lvl4pPr>
+            <a:lvl5pPr marL="2057400" indent="-228600" algn="l" defTabSz="914400" rtl="0" eaLnBrk="1" latinLnBrk="0" hangingPunct="1">
+              <a:lnSpc>
+                <a:spcPct val="90000"/>
+              </a:lnSpc>
+              <a:spcBef>
+                <a:spcPts val="500"/>
+              </a:spcBef>
+              <a:buFont typeface="Arial" panose="020B0604020202020204" pitchFamily="34" charset="0"/>
+              <a:buChar char="•"/>
+              <a:defRPr sz="1800" kern="1200">
+                <a:solidFill>
+                  <a:schemeClr val="tx1"/>
+                </a:solidFill>
+                <a:latin typeface="+mn-lt"/>
+                <a:ea typeface="+mn-ea"/>
+                <a:cs typeface="+mn-cs"/>
+              </a:defRPr>
+            </a:lvl5pPr>
+            <a:lvl6pPr marL="2514600" indent="-228600" algn="l" defTabSz="914400" rtl="0" eaLnBrk="1" latinLnBrk="0" hangingPunct="1">
+              <a:lnSpc>
+                <a:spcPct val="90000"/>
+              </a:lnSpc>
+              <a:spcBef>
+                <a:spcPts val="500"/>
+              </a:spcBef>
+              <a:buFont typeface="Arial" panose="020B0604020202020204" pitchFamily="34" charset="0"/>
+              <a:buChar char="•"/>
+              <a:defRPr sz="1800" kern="1200">
+                <a:solidFill>
+                  <a:schemeClr val="tx1"/>
+                </a:solidFill>
+                <a:latin typeface="+mn-lt"/>
+                <a:ea typeface="+mn-ea"/>
+                <a:cs typeface="+mn-cs"/>
+              </a:defRPr>
+            </a:lvl6pPr>
+            <a:lvl7pPr marL="2971800" indent="-228600" algn="l" defTabSz="914400" rtl="0" eaLnBrk="1" latinLnBrk="0" hangingPunct="1">
+              <a:lnSpc>
+                <a:spcPct val="90000"/>
+              </a:lnSpc>
+              <a:spcBef>
+                <a:spcPts val="500"/>
+              </a:spcBef>
+              <a:buFont typeface="Arial" panose="020B0604020202020204" pitchFamily="34" charset="0"/>
+              <a:buChar char="•"/>
+              <a:defRPr sz="1800" kern="1200">
+                <a:solidFill>
+                  <a:schemeClr val="tx1"/>
+                </a:solidFill>
+                <a:latin typeface="+mn-lt"/>
+                <a:ea typeface="+mn-ea"/>
+                <a:cs typeface="+mn-cs"/>
+              </a:defRPr>
+            </a:lvl7pPr>
+            <a:lvl8pPr marL="3429000" indent="-228600" algn="l" defTabSz="914400" rtl="0" eaLnBrk="1" latinLnBrk="0" hangingPunct="1">
+              <a:lnSpc>
+                <a:spcPct val="90000"/>
+              </a:lnSpc>
+              <a:spcBef>
+                <a:spcPts val="500"/>
+              </a:spcBef>
+              <a:buFont typeface="Arial" panose="020B0604020202020204" pitchFamily="34" charset="0"/>
+              <a:buChar char="•"/>
+              <a:defRPr sz="1800" kern="1200">
+                <a:solidFill>
+                  <a:schemeClr val="tx1"/>
+                </a:solidFill>
+                <a:latin typeface="+mn-lt"/>
+                <a:ea typeface="+mn-ea"/>
+                <a:cs typeface="+mn-cs"/>
+              </a:defRPr>
+            </a:lvl8pPr>
+            <a:lvl9pPr marL="3886200" indent="-228600" algn="l" defTabSz="914400" rtl="0" eaLnBrk="1" latinLnBrk="0" hangingPunct="1">
+              <a:lnSpc>
+                <a:spcPct val="90000"/>
+              </a:lnSpc>
+              <a:spcBef>
+                <a:spcPts val="500"/>
+              </a:spcBef>
+              <a:buFont typeface="Arial" panose="020B0604020202020204" pitchFamily="34" charset="0"/>
+              <a:buChar char="•"/>
+              <a:defRPr sz="1800" kern="1200">
+                <a:solidFill>
+                  <a:schemeClr val="tx1"/>
+                </a:solidFill>
+                <a:latin typeface="+mn-lt"/>
+                <a:ea typeface="+mn-ea"/>
+                <a:cs typeface="+mn-cs"/>
+              </a:defRPr>
+            </a:lvl9pPr>
+          </a:lstStyle>
+          <a:p>
+            <a:pPr marL="0" indent="0">
               <a:buNone/>
             </a:pPr>
             <a:r>
-              <a:rPr lang="en-US" sz="4400" strike="noStrike" spc="-1" dirty="0">
-                <a:solidFill>
-                  <a:srgbClr val="000000"/>
-                </a:solidFill>
-                <a:latin typeface="Calibri Light" panose="020F0302020204030204" pitchFamily="34" charset="0"/>
-                <a:cs typeface="Calibri Light" panose="020F0302020204030204" pitchFamily="34" charset="0"/>
+              <a:rPr lang="en-US" sz="1200" dirty="0"/>
+              <a:t>Codes and files: </a:t>
+            </a:r>
+            <a:r>
+              <a:rPr lang="en-US" sz="1200" dirty="0">
+                <a:hlinkClick r:id="rId2"/>
               </a:rPr>
-              <a:t>SELF-GRADE</a:t>
-            </a:r>
-          </a:p>
-        </p:txBody>
-      </p:sp>
-      <p:sp>
-        <p:nvSpPr>
-          <p:cNvPr id="110" name="PlaceHolder 2"/>
-          <p:cNvSpPr>
-            <a:spLocks noGrp="1"/>
-          </p:cNvSpPr>
-          <p:nvPr>
-            <p:ph/>
-          </p:nvPr>
-        </p:nvSpPr>
-        <p:spPr>
-          <a:xfrm>
-            <a:off x="838080" y="1825560"/>
-            <a:ext cx="10515240" cy="4350960"/>
-          </a:xfrm>
-          <a:prstGeom prst="rect">
-            <a:avLst/>
-          </a:prstGeom>
-          <a:noFill/>
-          <a:ln w="0">
-            <a:noFill/>
-          </a:ln>
-        </p:spPr>
-        <p:txBody>
-          <a:bodyPr anchor="t">
-            <a:noAutofit/>
-          </a:bodyPr>
-          <a:lstStyle/>
-          <a:p>
-            <a:pPr marL="228600" indent="-228600">
-              <a:lnSpc>
-                <a:spcPct val="90000"/>
-              </a:lnSpc>
-              <a:spcBef>
-                <a:spcPts val="1001"/>
-              </a:spcBef>
-              <a:buClr>
-                <a:srgbClr val="000000"/>
-              </a:buClr>
-              <a:buFont typeface="Arial"/>
-              <a:buChar char="•"/>
-            </a:pPr>
-            <a:r>
-              <a:rPr lang="en-US" sz="2400" spc="-1" dirty="0">
-                <a:solidFill>
-                  <a:srgbClr val="000000"/>
-                </a:solidFill>
-                <a:latin typeface="Calibri"/>
-              </a:rPr>
-              <a:t>Technical correctness: 35/35</a:t>
-            </a:r>
-          </a:p>
-          <a:p>
-            <a:pPr lvl="1">
-              <a:spcBef>
-                <a:spcPts val="1001"/>
-              </a:spcBef>
-              <a:buClr>
-                <a:srgbClr val="000000"/>
-              </a:buClr>
-              <a:buFont typeface="Arial"/>
-              <a:buChar char="•"/>
-            </a:pPr>
-            <a:r>
-              <a:rPr lang="en-US" sz="2000" b="0" strike="noStrike" spc="-1" dirty="0">
-                <a:solidFill>
-                  <a:srgbClr val="000000"/>
-                </a:solidFill>
-                <a:latin typeface="Calibri"/>
-              </a:rPr>
-              <a:t>I </a:t>
-            </a:r>
-            <a:r>
-              <a:rPr lang="en-US" sz="2000" spc="-1" dirty="0">
-                <a:solidFill>
-                  <a:srgbClr val="000000"/>
-                </a:solidFill>
-                <a:latin typeface="Calibri"/>
-              </a:rPr>
-              <a:t>am confident that I understood how to use ImageJ to extract feature from images, and have applied it.</a:t>
-            </a:r>
-          </a:p>
-          <a:p>
-            <a:pPr marL="228600" indent="-228600">
-              <a:lnSpc>
-                <a:spcPct val="90000"/>
-              </a:lnSpc>
-              <a:spcBef>
-                <a:spcPts val="1001"/>
-              </a:spcBef>
-              <a:buClr>
-                <a:srgbClr val="000000"/>
-              </a:buClr>
-              <a:buFont typeface="Arial"/>
-              <a:buChar char="•"/>
-            </a:pPr>
-            <a:r>
-              <a:rPr lang="en-US" sz="2400" spc="-1" dirty="0">
-                <a:solidFill>
-                  <a:srgbClr val="000000"/>
-                </a:solidFill>
-                <a:latin typeface="Calibri"/>
-              </a:rPr>
-              <a:t>Quality of presentation: 35/35</a:t>
-            </a:r>
-          </a:p>
-          <a:p>
-            <a:pPr lvl="1">
-              <a:spcBef>
-                <a:spcPts val="1001"/>
-              </a:spcBef>
-              <a:buClr>
-                <a:srgbClr val="000000"/>
-              </a:buClr>
-              <a:buFont typeface="Arial"/>
-              <a:buChar char="•"/>
-            </a:pPr>
-            <a:r>
-              <a:rPr lang="en-US" sz="2000" spc="-1" dirty="0">
-                <a:solidFill>
-                  <a:srgbClr val="000000"/>
-                </a:solidFill>
-                <a:latin typeface="Calibri"/>
-              </a:rPr>
-              <a:t>I have explained each step, and images are clear and concise.</a:t>
-            </a:r>
-          </a:p>
-          <a:p>
-            <a:pPr marL="228600" indent="-228600">
-              <a:lnSpc>
-                <a:spcPct val="90000"/>
-              </a:lnSpc>
-              <a:spcBef>
-                <a:spcPts val="1001"/>
-              </a:spcBef>
-              <a:buClr>
-                <a:srgbClr val="000000"/>
-              </a:buClr>
-              <a:buFont typeface="Arial"/>
-              <a:buChar char="•"/>
-            </a:pPr>
-            <a:r>
-              <a:rPr lang="en-US" sz="2400" spc="-1" dirty="0">
-                <a:solidFill>
-                  <a:srgbClr val="000000"/>
-                </a:solidFill>
-                <a:latin typeface="Calibri"/>
-              </a:rPr>
-              <a:t>Self-reflection: 30/30</a:t>
-            </a:r>
-          </a:p>
-          <a:p>
-            <a:pPr lvl="1">
-              <a:spcBef>
-                <a:spcPts val="1001"/>
-              </a:spcBef>
-              <a:buClr>
-                <a:srgbClr val="000000"/>
-              </a:buClr>
-              <a:buFont typeface="Arial"/>
-              <a:buChar char="•"/>
-            </a:pPr>
-            <a:r>
-              <a:rPr lang="en-US" sz="2000" spc="-1" dirty="0">
-                <a:solidFill>
-                  <a:srgbClr val="000000"/>
-                </a:solidFill>
-                <a:latin typeface="Calibri"/>
-              </a:rPr>
-              <a:t>Even though I was slacking in this subject for a while, I managed to get back on track. The topics are really fun and interesting. It helped me understand the ideas behind image tools such as smartphone cameras, Photoshop, etc.</a:t>
-            </a:r>
-          </a:p>
-          <a:p>
-            <a:pPr marL="228600" indent="-228600">
-              <a:lnSpc>
-                <a:spcPct val="90000"/>
-              </a:lnSpc>
-              <a:spcBef>
-                <a:spcPts val="1001"/>
-              </a:spcBef>
-              <a:buClr>
-                <a:srgbClr val="000000"/>
-              </a:buClr>
-              <a:buFont typeface="Arial"/>
-              <a:buChar char="•"/>
-            </a:pPr>
-            <a:r>
-              <a:rPr lang="en-US" sz="2400" spc="-1" dirty="0">
-                <a:solidFill>
-                  <a:srgbClr val="000000"/>
-                </a:solidFill>
-                <a:latin typeface="Calibri"/>
-              </a:rPr>
-              <a:t>Initiative: 10/10</a:t>
-            </a:r>
-          </a:p>
-          <a:p>
-            <a:pPr lvl="1">
-              <a:spcBef>
-                <a:spcPts val="1001"/>
-              </a:spcBef>
-              <a:buClr>
-                <a:srgbClr val="000000"/>
-              </a:buClr>
-              <a:buFont typeface="Arial"/>
-              <a:buChar char="•"/>
-            </a:pPr>
-            <a:r>
-              <a:rPr lang="en-US" sz="2000" spc="-1" dirty="0">
-                <a:solidFill>
-                  <a:srgbClr val="000000"/>
-                </a:solidFill>
-                <a:latin typeface="Calibri"/>
-              </a:rPr>
-              <a:t>I used an extra image for extraction.</a:t>
-            </a:r>
+              <a:t>https://github.com/genvert/AP_157_FX-2_Vertudez/tree/main/Activity%202%20Part%202</a:t>
+            </a:r>
+            <a:endParaRPr lang="en-US" sz="1200" dirty="0"/>
           </a:p>
         </p:txBody>
       </p:sp>
     </p:spTree>
     <p:extLst>
       <p:ext uri="{BB962C8B-B14F-4D97-AF65-F5344CB8AC3E}">
-        <p14:creationId xmlns:p14="http://schemas.microsoft.com/office/powerpoint/2010/main" val="3784929317"/>
+        <p14:creationId xmlns:p14="http://schemas.microsoft.com/office/powerpoint/2010/main" val="3248180457"/>
       </p:ext>
     </p:extLst>
   </p:cSld>
